--- a/apresentação-ml.pptx
+++ b/apresentação-ml.pptx
@@ -5,7 +5,7 @@
     <p:sldMasterId id="2147483648" r:id="rId1"/>
   </p:sldMasterIdLst>
   <p:notesMasterIdLst>
-    <p:notesMasterId r:id="rId24"/>
+    <p:notesMasterId r:id="rId29"/>
   </p:notesMasterIdLst>
   <p:sldIdLst>
     <p:sldId id="272" r:id="rId2"/>
@@ -28,8 +28,13 @@
     <p:sldId id="273" r:id="rId19"/>
     <p:sldId id="275" r:id="rId20"/>
     <p:sldId id="276" r:id="rId21"/>
-    <p:sldId id="274" r:id="rId22"/>
-    <p:sldId id="277" r:id="rId23"/>
+    <p:sldId id="283" r:id="rId22"/>
+    <p:sldId id="278" r:id="rId23"/>
+    <p:sldId id="279" r:id="rId24"/>
+    <p:sldId id="277" r:id="rId25"/>
+    <p:sldId id="280" r:id="rId26"/>
+    <p:sldId id="281" r:id="rId27"/>
+    <p:sldId id="282" r:id="rId28"/>
   </p:sldIdLst>
   <p:sldSz cx="12192000" cy="6858000"/>
   <p:notesSz cx="6858000" cy="9144000"/>
@@ -128,6 +133,11 @@
       </a:defRPr>
     </a:lvl9pPr>
   </p:defaultTextStyle>
+  <p:extLst>
+    <p:ext uri="{EFAFB233-063F-42B5-8137-9DF3F51BA10A}">
+      <p15:sldGuideLst xmlns:p15="http://schemas.microsoft.com/office/powerpoint/2012/main"/>
+    </p:ext>
+  </p:extLst>
 </p:presentation>
 </file>
 
@@ -225,7 +235,7 @@
           <a:p>
             <a:fld id="{8A48F34E-4DD4-4A1B-825C-50FA5FBC41A9}" type="datetimeFigureOut">
               <a:rPr lang="pt-BR" smtClean="0"/>
-              <a:t>26/10/2023</a:t>
+              <a:t>27/10/2023</a:t>
             </a:fld>
             <a:endParaRPr lang="pt-BR"/>
           </a:p>
@@ -1659,7 +1669,7 @@
           <a:p>
             <a:fld id="{5E3CF728-CB8D-4824-86FE-79294CF6465B}" type="datetimeFigureOut">
               <a:rPr lang="pt-BR" smtClean="0"/>
-              <a:t>26/10/2023</a:t>
+              <a:t>27/10/2023</a:t>
             </a:fld>
             <a:endParaRPr lang="pt-BR"/>
           </a:p>
@@ -1857,7 +1867,7 @@
           <a:p>
             <a:fld id="{5E3CF728-CB8D-4824-86FE-79294CF6465B}" type="datetimeFigureOut">
               <a:rPr lang="pt-BR" smtClean="0"/>
-              <a:t>26/10/2023</a:t>
+              <a:t>27/10/2023</a:t>
             </a:fld>
             <a:endParaRPr lang="pt-BR"/>
           </a:p>
@@ -2065,7 +2075,7 @@
           <a:p>
             <a:fld id="{5E3CF728-CB8D-4824-86FE-79294CF6465B}" type="datetimeFigureOut">
               <a:rPr lang="pt-BR" smtClean="0"/>
-              <a:t>26/10/2023</a:t>
+              <a:t>27/10/2023</a:t>
             </a:fld>
             <a:endParaRPr lang="pt-BR"/>
           </a:p>
@@ -2263,7 +2273,7 @@
           <a:p>
             <a:fld id="{5E3CF728-CB8D-4824-86FE-79294CF6465B}" type="datetimeFigureOut">
               <a:rPr lang="pt-BR" smtClean="0"/>
-              <a:t>26/10/2023</a:t>
+              <a:t>27/10/2023</a:t>
             </a:fld>
             <a:endParaRPr lang="pt-BR"/>
           </a:p>
@@ -2538,7 +2548,7 @@
           <a:p>
             <a:fld id="{5E3CF728-CB8D-4824-86FE-79294CF6465B}" type="datetimeFigureOut">
               <a:rPr lang="pt-BR" smtClean="0"/>
-              <a:t>26/10/2023</a:t>
+              <a:t>27/10/2023</a:t>
             </a:fld>
             <a:endParaRPr lang="pt-BR"/>
           </a:p>
@@ -2803,7 +2813,7 @@
           <a:p>
             <a:fld id="{5E3CF728-CB8D-4824-86FE-79294CF6465B}" type="datetimeFigureOut">
               <a:rPr lang="pt-BR" smtClean="0"/>
-              <a:t>26/10/2023</a:t>
+              <a:t>27/10/2023</a:t>
             </a:fld>
             <a:endParaRPr lang="pt-BR"/>
           </a:p>
@@ -3215,7 +3225,7 @@
           <a:p>
             <a:fld id="{5E3CF728-CB8D-4824-86FE-79294CF6465B}" type="datetimeFigureOut">
               <a:rPr lang="pt-BR" smtClean="0"/>
-              <a:t>26/10/2023</a:t>
+              <a:t>27/10/2023</a:t>
             </a:fld>
             <a:endParaRPr lang="pt-BR"/>
           </a:p>
@@ -3356,7 +3366,7 @@
           <a:p>
             <a:fld id="{5E3CF728-CB8D-4824-86FE-79294CF6465B}" type="datetimeFigureOut">
               <a:rPr lang="pt-BR" smtClean="0"/>
-              <a:t>26/10/2023</a:t>
+              <a:t>27/10/2023</a:t>
             </a:fld>
             <a:endParaRPr lang="pt-BR"/>
           </a:p>
@@ -3469,7 +3479,7 @@
           <a:p>
             <a:fld id="{5E3CF728-CB8D-4824-86FE-79294CF6465B}" type="datetimeFigureOut">
               <a:rPr lang="pt-BR" smtClean="0"/>
-              <a:t>26/10/2023</a:t>
+              <a:t>27/10/2023</a:t>
             </a:fld>
             <a:endParaRPr lang="pt-BR"/>
           </a:p>
@@ -3780,7 +3790,7 @@
           <a:p>
             <a:fld id="{5E3CF728-CB8D-4824-86FE-79294CF6465B}" type="datetimeFigureOut">
               <a:rPr lang="pt-BR" smtClean="0"/>
-              <a:t>26/10/2023</a:t>
+              <a:t>27/10/2023</a:t>
             </a:fld>
             <a:endParaRPr lang="pt-BR"/>
           </a:p>
@@ -4068,7 +4078,7 @@
           <a:p>
             <a:fld id="{5E3CF728-CB8D-4824-86FE-79294CF6465B}" type="datetimeFigureOut">
               <a:rPr lang="pt-BR" smtClean="0"/>
-              <a:t>26/10/2023</a:t>
+              <a:t>27/10/2023</a:t>
             </a:fld>
             <a:endParaRPr lang="pt-BR"/>
           </a:p>
@@ -4309,7 +4319,7 @@
           <a:p>
             <a:fld id="{5E3CF728-CB8D-4824-86FE-79294CF6465B}" type="datetimeFigureOut">
               <a:rPr lang="pt-BR" smtClean="0"/>
-              <a:t>26/10/2023</a:t>
+              <a:t>27/10/2023</a:t>
             </a:fld>
             <a:endParaRPr lang="pt-BR"/>
           </a:p>
@@ -4740,8 +4750,8 @@
         </p:nvSpPr>
         <p:spPr>
           <a:xfrm>
-            <a:off x="4397778" y="3105834"/>
-            <a:ext cx="3396443" cy="646331"/>
+            <a:off x="2433395" y="2767280"/>
+            <a:ext cx="7325210" cy="1323439"/>
           </a:xfrm>
           <a:prstGeom prst="rect">
             <a:avLst/>
@@ -4755,7 +4765,7 @@
           <a:lstStyle/>
           <a:p>
             <a:r>
-              <a:rPr lang="pt-BR" dirty="0">
+              <a:rPr lang="pt-BR" sz="4000" dirty="0">
                 <a:latin typeface="Arial Black" panose="020B0A04020102020204" pitchFamily="34" charset="0"/>
               </a:rPr>
               <a:t>ANÁLISE EXPLORATÓRIA</a:t>
@@ -4764,8 +4774,9 @@
           <a:p>
             <a:pPr algn="ctr"/>
             <a:r>
-              <a:rPr lang="pt-BR" dirty="0">
-                <a:latin typeface="Arial Black" panose="020B0A04020102020204" pitchFamily="34" charset="0"/>
+              <a:rPr lang="pt-BR" sz="4000" dirty="0">
+                <a:latin typeface="Arial" panose="020B0604020202020204" pitchFamily="34" charset="0"/>
+                <a:cs typeface="Arial" panose="020B0604020202020204" pitchFamily="34" charset="0"/>
               </a:rPr>
               <a:t>DOS DADOS</a:t>
             </a:r>
@@ -5516,8 +5527,8 @@
         </p:nvSpPr>
         <p:spPr>
           <a:xfrm>
-            <a:off x="4082147" y="3105834"/>
-            <a:ext cx="4027705" cy="646331"/>
+            <a:off x="1735511" y="2767280"/>
+            <a:ext cx="8720977" cy="1323439"/>
           </a:xfrm>
           <a:prstGeom prst="rect">
             <a:avLst/>
@@ -5532,7 +5543,7 @@
           <a:p>
             <a:pPr algn="ctr"/>
             <a:r>
-              <a:rPr lang="pt-BR" dirty="0">
+              <a:rPr lang="pt-BR" sz="4000" dirty="0">
                 <a:latin typeface="Arial" panose="020B0604020202020204" pitchFamily="34" charset="0"/>
                 <a:cs typeface="Arial" panose="020B0604020202020204" pitchFamily="34" charset="0"/>
               </a:rPr>
@@ -5542,7 +5553,7 @@
           <a:p>
             <a:pPr algn="ctr"/>
             <a:r>
-              <a:rPr lang="pt-BR" dirty="0">
+              <a:rPr lang="pt-BR" sz="4000" dirty="0">
                 <a:latin typeface="Arial Black" panose="020B0A04020102020204" pitchFamily="34" charset="0"/>
               </a:rPr>
               <a:t>MACHINE LEARNING</a:t>
@@ -6476,7 +6487,7 @@
           <p:cNvPr id="3" name="Imagem 2">
             <a:extLst>
               <a:ext uri="{FF2B5EF4-FFF2-40B4-BE49-F238E27FC236}">
-                <a16:creationId xmlns:a16="http://schemas.microsoft.com/office/drawing/2014/main" id="{215ABF16-35DD-3EFC-1B19-0560B4D3CFAF}"/>
+                <a16:creationId xmlns:a16="http://schemas.microsoft.com/office/drawing/2014/main" id="{7C2BB180-75A9-9C6E-9116-8D6D05978534}"/>
               </a:ext>
             </a:extLst>
           </p:cNvPr>
@@ -6493,8 +6504,8 @@
         </p:blipFill>
         <p:spPr>
           <a:xfrm>
-            <a:off x="877252" y="1374648"/>
-            <a:ext cx="8334375" cy="1981200"/>
+            <a:off x="184975" y="1484757"/>
+            <a:ext cx="10487025" cy="742950"/>
           </a:xfrm>
           <a:prstGeom prst="rect">
             <a:avLst/>
@@ -6506,7 +6517,7 @@
           <p:cNvPr id="4" name="CaixaDeTexto 3">
             <a:extLst>
               <a:ext uri="{FF2B5EF4-FFF2-40B4-BE49-F238E27FC236}">
-                <a16:creationId xmlns:a16="http://schemas.microsoft.com/office/drawing/2014/main" id="{37C04B2E-4930-9449-F32E-DD307320A44F}"/>
+                <a16:creationId xmlns:a16="http://schemas.microsoft.com/office/drawing/2014/main" id="{825189DE-EB64-8D13-A75E-82E32A0FAFDF}"/>
               </a:ext>
             </a:extLst>
           </p:cNvPr>
@@ -6515,8 +6526,8 @@
         </p:nvSpPr>
         <p:spPr>
           <a:xfrm>
-            <a:off x="1584892" y="292845"/>
-            <a:ext cx="2210862" cy="923330"/>
+            <a:off x="3900398" y="563502"/>
+            <a:ext cx="4391203" cy="461665"/>
           </a:xfrm>
           <a:prstGeom prst="rect">
             <a:avLst/>
@@ -6531,68 +6542,44 @@
           <a:p>
             <a:pPr algn="ctr"/>
             <a:r>
-              <a:rPr lang="pt-BR" dirty="0">
-                <a:latin typeface="Arial Black" panose="020B0A04020102020204" pitchFamily="34" charset="0"/>
-                <a:cs typeface="Arial" panose="020B0604020202020204" pitchFamily="34" charset="0"/>
-              </a:rPr>
-              <a:t>HOLDOUT</a:t>
-            </a:r>
-          </a:p>
-          <a:p>
-            <a:pPr algn="ctr"/>
-            <a:r>
-              <a:rPr lang="pt-BR" b="0" dirty="0" err="1">
+              <a:rPr lang="pt-BR" sz="2400" b="0" dirty="0">
                 <a:solidFill>
                   <a:srgbClr val="000000"/>
                 </a:solidFill>
                 <a:effectLst/>
-                <a:latin typeface="Consolas" panose="020B0609020204030204" pitchFamily="49" charset="0"/>
-              </a:rPr>
-              <a:t>test_size</a:t>
-            </a:r>
-            <a:r>
-              <a:rPr lang="pt-BR" b="0" dirty="0">
+                <a:latin typeface="Arial" panose="020B0604020202020204" pitchFamily="34" charset="0"/>
+                <a:cs typeface="Arial" panose="020B0604020202020204" pitchFamily="34" charset="0"/>
+              </a:rPr>
+              <a:t>Melhores</a:t>
+            </a:r>
+            <a:r>
+              <a:rPr lang="pt-BR" sz="2400" dirty="0">
                 <a:solidFill>
                   <a:srgbClr val="000000"/>
                 </a:solidFill>
-                <a:effectLst/>
-                <a:latin typeface="Consolas" panose="020B0609020204030204" pitchFamily="49" charset="0"/>
-              </a:rPr>
-              <a:t> = </a:t>
-            </a:r>
-            <a:r>
-              <a:rPr lang="pt-BR" b="0" dirty="0">
-                <a:solidFill>
-                  <a:srgbClr val="098658"/>
-                </a:solidFill>
-                <a:effectLst/>
-                <a:latin typeface="Consolas" panose="020B0609020204030204" pitchFamily="49" charset="0"/>
-              </a:rPr>
-              <a:t>0.33</a:t>
-            </a:r>
-          </a:p>
-          <a:p>
-            <a:pPr algn="ctr"/>
-            <a:r>
-              <a:rPr lang="pt-BR" b="0" dirty="0" err="1">
+                <a:latin typeface="Arial" panose="020B0604020202020204" pitchFamily="34" charset="0"/>
+                <a:cs typeface="Arial" panose="020B0604020202020204" pitchFamily="34" charset="0"/>
+              </a:rPr>
+              <a:t> </a:t>
+            </a:r>
+            <a:r>
+              <a:rPr lang="pt-BR" sz="2400" dirty="0" err="1">
                 <a:solidFill>
                   <a:srgbClr val="000000"/>
                 </a:solidFill>
-                <a:effectLst/>
-                <a:latin typeface="Consolas" panose="020B0609020204030204" pitchFamily="49" charset="0"/>
-              </a:rPr>
-              <a:t>stratify</a:t>
-            </a:r>
-            <a:r>
-              <a:rPr lang="pt-BR" b="0" dirty="0">
-                <a:solidFill>
-                  <a:srgbClr val="000000"/>
-                </a:solidFill>
-                <a:effectLst/>
-                <a:latin typeface="Consolas" panose="020B0609020204030204" pitchFamily="49" charset="0"/>
-              </a:rPr>
-              <a:t> = y</a:t>
-            </a:r>
+                <a:latin typeface="Arial Black" panose="020B0A04020102020204" pitchFamily="34" charset="0"/>
+                <a:cs typeface="Arial" panose="020B0604020202020204" pitchFamily="34" charset="0"/>
+              </a:rPr>
+              <a:t>Hiperparâmetros</a:t>
+            </a:r>
+            <a:endParaRPr lang="pt-BR" sz="2400" b="0" dirty="0">
+              <a:solidFill>
+                <a:srgbClr val="000000"/>
+              </a:solidFill>
+              <a:effectLst/>
+              <a:latin typeface="Arial Black" panose="020B0A04020102020204" pitchFamily="34" charset="0"/>
+              <a:cs typeface="Arial" panose="020B0604020202020204" pitchFamily="34" charset="0"/>
+            </a:endParaRPr>
           </a:p>
         </p:txBody>
       </p:sp>
@@ -6601,7 +6588,7 @@
           <p:cNvPr id="6" name="Imagem 5">
             <a:extLst>
               <a:ext uri="{FF2B5EF4-FFF2-40B4-BE49-F238E27FC236}">
-                <a16:creationId xmlns:a16="http://schemas.microsoft.com/office/drawing/2014/main" id="{23E87ABC-AC6D-95F2-B2F5-3F6415BB4213}"/>
+                <a16:creationId xmlns:a16="http://schemas.microsoft.com/office/drawing/2014/main" id="{2CBF9D8E-9936-0D95-C57A-4B56C61426E5}"/>
               </a:ext>
             </a:extLst>
           </p:cNvPr>
@@ -6618,114 +6605,108 @@
         </p:blipFill>
         <p:spPr>
           <a:xfrm>
-            <a:off x="877252" y="3767518"/>
-            <a:ext cx="8458200" cy="2047875"/>
+            <a:off x="184975" y="2496166"/>
+            <a:ext cx="10477500" cy="676275"/>
           </a:xfrm>
           <a:prstGeom prst="rect">
             <a:avLst/>
           </a:prstGeom>
         </p:spPr>
       </p:pic>
-      <p:sp>
-        <p:nvSpPr>
-          <p:cNvPr id="7" name="CaixaDeTexto 6">
-            <a:extLst>
-              <a:ext uri="{FF2B5EF4-FFF2-40B4-BE49-F238E27FC236}">
-                <a16:creationId xmlns:a16="http://schemas.microsoft.com/office/drawing/2014/main" id="{B32F5442-0173-31E8-AFB5-2F79FBD2F447}"/>
-              </a:ext>
-            </a:extLst>
-          </p:cNvPr>
-          <p:cNvSpPr txBox="1"/>
+      <p:pic>
+        <p:nvPicPr>
+          <p:cNvPr id="8" name="Imagem 7">
+            <a:extLst>
+              <a:ext uri="{FF2B5EF4-FFF2-40B4-BE49-F238E27FC236}">
+                <a16:creationId xmlns:a16="http://schemas.microsoft.com/office/drawing/2014/main" id="{79C416AA-7D1D-A51E-B387-094C694EA356}"/>
+              </a:ext>
+            </a:extLst>
+          </p:cNvPr>
+          <p:cNvPicPr>
+            <a:picLocks noChangeAspect="1"/>
+          </p:cNvPicPr>
           <p:nvPr/>
-        </p:nvSpPr>
-        <p:spPr>
-          <a:xfrm>
-            <a:off x="10200294" y="2082021"/>
-            <a:ext cx="902811" cy="369332"/>
+        </p:nvPicPr>
+        <p:blipFill>
+          <a:blip r:embed="rId4"/>
+          <a:stretch>
+            <a:fillRect/>
+          </a:stretch>
+        </p:blipFill>
+        <p:spPr>
+          <a:xfrm>
+            <a:off x="216789" y="3459188"/>
+            <a:ext cx="11572875" cy="666750"/>
           </a:xfrm>
           <a:prstGeom prst="rect">
             <a:avLst/>
           </a:prstGeom>
-          <a:noFill/>
-        </p:spPr>
-        <p:txBody>
-          <a:bodyPr wrap="none" rtlCol="0">
-            <a:spAutoFit/>
-          </a:bodyPr>
-          <a:lstStyle/>
-          <a:p>
-            <a:pPr algn="ctr"/>
-            <a:r>
-              <a:rPr lang="pt-BR" dirty="0" err="1">
-                <a:latin typeface="Arial Black" panose="020B0A04020102020204" pitchFamily="34" charset="0"/>
-                <a:cs typeface="Arial" panose="020B0604020202020204" pitchFamily="34" charset="0"/>
-              </a:rPr>
-              <a:t>under</a:t>
-            </a:r>
-            <a:endParaRPr lang="pt-BR" b="0" dirty="0">
-              <a:solidFill>
-                <a:srgbClr val="000000"/>
-              </a:solidFill>
-              <a:effectLst/>
-              <a:latin typeface="Consolas" panose="020B0609020204030204" pitchFamily="49" charset="0"/>
-            </a:endParaRPr>
-          </a:p>
-        </p:txBody>
-      </p:sp>
-      <p:sp>
-        <p:nvSpPr>
-          <p:cNvPr id="8" name="CaixaDeTexto 7">
-            <a:extLst>
-              <a:ext uri="{FF2B5EF4-FFF2-40B4-BE49-F238E27FC236}">
-                <a16:creationId xmlns:a16="http://schemas.microsoft.com/office/drawing/2014/main" id="{5EF46B95-353D-18ED-8CD7-4FEDBA82C559}"/>
-              </a:ext>
-            </a:extLst>
-          </p:cNvPr>
-          <p:cNvSpPr txBox="1"/>
+        </p:spPr>
+      </p:pic>
+      <p:pic>
+        <p:nvPicPr>
+          <p:cNvPr id="10" name="Imagem 9">
+            <a:extLst>
+              <a:ext uri="{FF2B5EF4-FFF2-40B4-BE49-F238E27FC236}">
+                <a16:creationId xmlns:a16="http://schemas.microsoft.com/office/drawing/2014/main" id="{7F9E76A1-F6E9-E80B-5B4F-44E45B50256F}"/>
+              </a:ext>
+            </a:extLst>
+          </p:cNvPr>
+          <p:cNvPicPr>
+            <a:picLocks noChangeAspect="1"/>
+          </p:cNvPicPr>
           <p:nvPr/>
-        </p:nvSpPr>
-        <p:spPr>
-          <a:xfrm>
-            <a:off x="10290574" y="4606789"/>
-            <a:ext cx="722249" cy="369332"/>
+        </p:nvPicPr>
+        <p:blipFill>
+          <a:blip r:embed="rId5"/>
+          <a:stretch>
+            <a:fillRect/>
+          </a:stretch>
+        </p:blipFill>
+        <p:spPr>
+          <a:xfrm>
+            <a:off x="216789" y="4339209"/>
+            <a:ext cx="10687050" cy="666750"/>
           </a:xfrm>
           <a:prstGeom prst="rect">
             <a:avLst/>
           </a:prstGeom>
-          <a:noFill/>
-        </p:spPr>
-        <p:txBody>
-          <a:bodyPr wrap="none" rtlCol="0">
-            <a:spAutoFit/>
-          </a:bodyPr>
-          <a:lstStyle/>
-          <a:p>
-            <a:pPr algn="ctr"/>
-            <a:r>
-              <a:rPr lang="pt-BR" b="0" dirty="0">
-                <a:solidFill>
-                  <a:srgbClr val="000000"/>
-                </a:solidFill>
-                <a:effectLst/>
-                <a:latin typeface="Arial Black" panose="020B0A04020102020204" pitchFamily="34" charset="0"/>
-                <a:cs typeface="Arial" panose="020B0604020202020204" pitchFamily="34" charset="0"/>
-              </a:rPr>
-              <a:t>over</a:t>
-            </a:r>
-            <a:endParaRPr lang="pt-BR" b="0" dirty="0">
-              <a:solidFill>
-                <a:srgbClr val="000000"/>
-              </a:solidFill>
-              <a:effectLst/>
-              <a:latin typeface="Consolas" panose="020B0609020204030204" pitchFamily="49" charset="0"/>
-            </a:endParaRPr>
-          </a:p>
-        </p:txBody>
-      </p:sp>
+        </p:spPr>
+      </p:pic>
+      <p:pic>
+        <p:nvPicPr>
+          <p:cNvPr id="12" name="Imagem 11">
+            <a:extLst>
+              <a:ext uri="{FF2B5EF4-FFF2-40B4-BE49-F238E27FC236}">
+                <a16:creationId xmlns:a16="http://schemas.microsoft.com/office/drawing/2014/main" id="{B1C85181-79B1-9EE8-94CE-061103A763D6}"/>
+              </a:ext>
+            </a:extLst>
+          </p:cNvPr>
+          <p:cNvPicPr>
+            <a:picLocks noChangeAspect="1"/>
+          </p:cNvPicPr>
+          <p:nvPr/>
+        </p:nvPicPr>
+        <p:blipFill>
+          <a:blip r:embed="rId6"/>
+          <a:stretch>
+            <a:fillRect/>
+          </a:stretch>
+        </p:blipFill>
+        <p:spPr>
+          <a:xfrm>
+            <a:off x="184975" y="5264950"/>
+            <a:ext cx="12192000" cy="639246"/>
+          </a:xfrm>
+          <a:prstGeom prst="rect">
+            <a:avLst/>
+          </a:prstGeom>
+        </p:spPr>
+      </p:pic>
     </p:spTree>
     <p:extLst>
       <p:ext uri="{BB962C8B-B14F-4D97-AF65-F5344CB8AC3E}">
-        <p14:creationId xmlns:p14="http://schemas.microsoft.com/office/powerpoint/2010/main" val="424413272"/>
+        <p14:creationId xmlns:p14="http://schemas.microsoft.com/office/powerpoint/2010/main" val="733097662"/>
       </p:ext>
     </p:extLst>
   </p:cSld>
@@ -6752,203 +6733,12 @@
           <a:chExt cx="0" cy="0"/>
         </a:xfrm>
       </p:grpSpPr>
-      <p:sp>
-        <p:nvSpPr>
-          <p:cNvPr id="4" name="CaixaDeTexto 3">
-            <a:extLst>
-              <a:ext uri="{FF2B5EF4-FFF2-40B4-BE49-F238E27FC236}">
-                <a16:creationId xmlns:a16="http://schemas.microsoft.com/office/drawing/2014/main" id="{37C04B2E-4930-9449-F32E-DD307320A44F}"/>
-              </a:ext>
-            </a:extLst>
-          </p:cNvPr>
-          <p:cNvSpPr txBox="1"/>
-          <p:nvPr/>
-        </p:nvSpPr>
-        <p:spPr>
-          <a:xfrm>
-            <a:off x="1838166" y="292845"/>
-            <a:ext cx="1704313" cy="923330"/>
-          </a:xfrm>
-          <a:prstGeom prst="rect">
-            <a:avLst/>
-          </a:prstGeom>
-          <a:noFill/>
-        </p:spPr>
-        <p:txBody>
-          <a:bodyPr wrap="none" rtlCol="0">
-            <a:spAutoFit/>
-          </a:bodyPr>
-          <a:lstStyle/>
-          <a:p>
-            <a:pPr algn="ctr"/>
-            <a:r>
-              <a:rPr lang="pt-BR" dirty="0">
-                <a:latin typeface="Arial Black" panose="020B0A04020102020204" pitchFamily="34" charset="0"/>
-                <a:cs typeface="Arial" panose="020B0604020202020204" pitchFamily="34" charset="0"/>
-              </a:rPr>
-              <a:t>KFOLD</a:t>
-            </a:r>
-          </a:p>
-          <a:p>
-            <a:pPr algn="ctr"/>
-            <a:r>
-              <a:rPr lang="pt-BR" b="0" dirty="0" err="1">
-                <a:solidFill>
-                  <a:srgbClr val="000000"/>
-                </a:solidFill>
-                <a:effectLst/>
-                <a:latin typeface="Consolas" panose="020B0609020204030204" pitchFamily="49" charset="0"/>
-              </a:rPr>
-              <a:t>n_splits</a:t>
-            </a:r>
-            <a:r>
-              <a:rPr lang="pt-BR" b="0" dirty="0">
-                <a:solidFill>
-                  <a:srgbClr val="000000"/>
-                </a:solidFill>
-                <a:effectLst/>
-                <a:latin typeface="Consolas" panose="020B0609020204030204" pitchFamily="49" charset="0"/>
-              </a:rPr>
-              <a:t> = </a:t>
-            </a:r>
-            <a:r>
-              <a:rPr lang="pt-BR" b="0" dirty="0">
-                <a:solidFill>
-                  <a:srgbClr val="098658"/>
-                </a:solidFill>
-                <a:effectLst/>
-                <a:latin typeface="Consolas" panose="020B0609020204030204" pitchFamily="49" charset="0"/>
-              </a:rPr>
-              <a:t>5</a:t>
-            </a:r>
-          </a:p>
-          <a:p>
-            <a:pPr algn="ctr"/>
-            <a:r>
-              <a:rPr lang="pt-BR" b="0" dirty="0" err="1">
-                <a:solidFill>
-                  <a:srgbClr val="000000"/>
-                </a:solidFill>
-                <a:effectLst/>
-                <a:latin typeface="Consolas" panose="020B0609020204030204" pitchFamily="49" charset="0"/>
-              </a:rPr>
-              <a:t>stratify</a:t>
-            </a:r>
-            <a:r>
-              <a:rPr lang="pt-BR" b="0" dirty="0">
-                <a:solidFill>
-                  <a:srgbClr val="000000"/>
-                </a:solidFill>
-                <a:effectLst/>
-                <a:latin typeface="Consolas" panose="020B0609020204030204" pitchFamily="49" charset="0"/>
-              </a:rPr>
-              <a:t> = y</a:t>
-            </a:r>
-          </a:p>
-        </p:txBody>
-      </p:sp>
-      <p:sp>
-        <p:nvSpPr>
-          <p:cNvPr id="7" name="CaixaDeTexto 6">
-            <a:extLst>
-              <a:ext uri="{FF2B5EF4-FFF2-40B4-BE49-F238E27FC236}">
-                <a16:creationId xmlns:a16="http://schemas.microsoft.com/office/drawing/2014/main" id="{B32F5442-0173-31E8-AFB5-2F79FBD2F447}"/>
-              </a:ext>
-            </a:extLst>
-          </p:cNvPr>
-          <p:cNvSpPr txBox="1"/>
-          <p:nvPr/>
-        </p:nvSpPr>
-        <p:spPr>
-          <a:xfrm>
-            <a:off x="10200294" y="2082021"/>
-            <a:ext cx="902811" cy="369332"/>
-          </a:xfrm>
-          <a:prstGeom prst="rect">
-            <a:avLst/>
-          </a:prstGeom>
-          <a:noFill/>
-        </p:spPr>
-        <p:txBody>
-          <a:bodyPr wrap="none" rtlCol="0">
-            <a:spAutoFit/>
-          </a:bodyPr>
-          <a:lstStyle/>
-          <a:p>
-            <a:pPr algn="ctr"/>
-            <a:r>
-              <a:rPr lang="pt-BR" dirty="0" err="1">
-                <a:latin typeface="Arial Black" panose="020B0A04020102020204" pitchFamily="34" charset="0"/>
-                <a:cs typeface="Arial" panose="020B0604020202020204" pitchFamily="34" charset="0"/>
-              </a:rPr>
-              <a:t>under</a:t>
-            </a:r>
-            <a:endParaRPr lang="pt-BR" b="0" dirty="0">
-              <a:solidFill>
-                <a:srgbClr val="000000"/>
-              </a:solidFill>
-              <a:effectLst/>
-              <a:latin typeface="Consolas" panose="020B0609020204030204" pitchFamily="49" charset="0"/>
-            </a:endParaRPr>
-          </a:p>
-        </p:txBody>
-      </p:sp>
-      <p:sp>
-        <p:nvSpPr>
-          <p:cNvPr id="8" name="CaixaDeTexto 7">
-            <a:extLst>
-              <a:ext uri="{FF2B5EF4-FFF2-40B4-BE49-F238E27FC236}">
-                <a16:creationId xmlns:a16="http://schemas.microsoft.com/office/drawing/2014/main" id="{5EF46B95-353D-18ED-8CD7-4FEDBA82C559}"/>
-              </a:ext>
-            </a:extLst>
-          </p:cNvPr>
-          <p:cNvSpPr txBox="1"/>
-          <p:nvPr/>
-        </p:nvSpPr>
-        <p:spPr>
-          <a:xfrm>
-            <a:off x="10196087" y="4606789"/>
-            <a:ext cx="722249" cy="369332"/>
-          </a:xfrm>
-          <a:prstGeom prst="rect">
-            <a:avLst/>
-          </a:prstGeom>
-          <a:noFill/>
-        </p:spPr>
-        <p:txBody>
-          <a:bodyPr wrap="none" rtlCol="0">
-            <a:spAutoFit/>
-          </a:bodyPr>
-          <a:lstStyle/>
-          <a:p>
-            <a:pPr algn="ctr"/>
-            <a:r>
-              <a:rPr lang="pt-BR" b="0" dirty="0">
-                <a:solidFill>
-                  <a:srgbClr val="000000"/>
-                </a:solidFill>
-                <a:effectLst/>
-                <a:latin typeface="Arial Black" panose="020B0A04020102020204" pitchFamily="34" charset="0"/>
-                <a:cs typeface="Arial" panose="020B0604020202020204" pitchFamily="34" charset="0"/>
-              </a:rPr>
-              <a:t>over</a:t>
-            </a:r>
-            <a:endParaRPr lang="pt-BR" b="0" dirty="0">
-              <a:solidFill>
-                <a:srgbClr val="000000"/>
-              </a:solidFill>
-              <a:effectLst/>
-              <a:latin typeface="Consolas" panose="020B0609020204030204" pitchFamily="49" charset="0"/>
-            </a:endParaRPr>
-          </a:p>
-        </p:txBody>
-      </p:sp>
       <p:pic>
         <p:nvPicPr>
           <p:cNvPr id="5" name="Imagem 4">
             <a:extLst>
               <a:ext uri="{FF2B5EF4-FFF2-40B4-BE49-F238E27FC236}">
-                <a16:creationId xmlns:a16="http://schemas.microsoft.com/office/drawing/2014/main" id="{B791ECF4-5881-9183-2F83-B805D9A01BF6}"/>
+                <a16:creationId xmlns:a16="http://schemas.microsoft.com/office/drawing/2014/main" id="{F956DAD1-C84A-5EC2-8DBC-4C4E84FD9E7F}"/>
               </a:ext>
             </a:extLst>
           </p:cNvPr>
@@ -6959,13 +6749,13 @@
         </p:nvPicPr>
         <p:blipFill rotWithShape="1">
           <a:blip r:embed="rId2"/>
-          <a:srcRect t="4595"/>
+          <a:srcRect l="5675"/>
           <a:stretch/>
         </p:blipFill>
         <p:spPr>
           <a:xfrm>
-            <a:off x="959739" y="1609343"/>
-            <a:ext cx="8553450" cy="2017395"/>
+            <a:off x="5115782" y="1589148"/>
+            <a:ext cx="6675120" cy="1527743"/>
           </a:xfrm>
           <a:prstGeom prst="rect">
             <a:avLst/>
@@ -6974,10 +6764,10 @@
       </p:pic>
       <p:pic>
         <p:nvPicPr>
-          <p:cNvPr id="10" name="Imagem 9">
-            <a:extLst>
-              <a:ext uri="{FF2B5EF4-FFF2-40B4-BE49-F238E27FC236}">
-                <a16:creationId xmlns:a16="http://schemas.microsoft.com/office/drawing/2014/main" id="{5C01FA01-CA95-E7DD-4C23-EC9786832D40}"/>
+          <p:cNvPr id="15" name="Imagem 14">
+            <a:extLst>
+              <a:ext uri="{FF2B5EF4-FFF2-40B4-BE49-F238E27FC236}">
+                <a16:creationId xmlns:a16="http://schemas.microsoft.com/office/drawing/2014/main" id="{1CF18766-8BAF-0A1B-D5A5-902D78E933CE}"/>
               </a:ext>
             </a:extLst>
           </p:cNvPr>
@@ -6994,18 +6784,2644 @@
         </p:blipFill>
         <p:spPr>
           <a:xfrm>
-            <a:off x="1137856" y="3956946"/>
-            <a:ext cx="8562975" cy="2038350"/>
+            <a:off x="5047489" y="3802831"/>
+            <a:ext cx="6784848" cy="1671747"/>
           </a:xfrm>
           <a:prstGeom prst="rect">
             <a:avLst/>
           </a:prstGeom>
         </p:spPr>
       </p:pic>
+      <p:pic>
+        <p:nvPicPr>
+          <p:cNvPr id="3" name="Imagem 2">
+            <a:extLst>
+              <a:ext uri="{FF2B5EF4-FFF2-40B4-BE49-F238E27FC236}">
+                <a16:creationId xmlns:a16="http://schemas.microsoft.com/office/drawing/2014/main" id="{215ABF16-35DD-3EFC-1B19-0560B4D3CFAF}"/>
+              </a:ext>
+            </a:extLst>
+          </p:cNvPr>
+          <p:cNvPicPr>
+            <a:picLocks noChangeAspect="1"/>
+          </p:cNvPicPr>
+          <p:nvPr/>
+        </p:nvPicPr>
+        <p:blipFill rotWithShape="1">
+          <a:blip r:embed="rId4"/>
+          <a:srcRect l="5156"/>
+          <a:stretch/>
+        </p:blipFill>
+        <p:spPr>
+          <a:xfrm>
+            <a:off x="1042417" y="1590110"/>
+            <a:ext cx="6419088" cy="1608872"/>
+          </a:xfrm>
+          <a:prstGeom prst="rect">
+            <a:avLst/>
+          </a:prstGeom>
+        </p:spPr>
+      </p:pic>
+      <p:pic>
+        <p:nvPicPr>
+          <p:cNvPr id="6" name="Imagem 5">
+            <a:extLst>
+              <a:ext uri="{FF2B5EF4-FFF2-40B4-BE49-F238E27FC236}">
+                <a16:creationId xmlns:a16="http://schemas.microsoft.com/office/drawing/2014/main" id="{23E87ABC-AC6D-95F2-B2F5-3F6415BB4213}"/>
+              </a:ext>
+            </a:extLst>
+          </p:cNvPr>
+          <p:cNvPicPr>
+            <a:picLocks noChangeAspect="1"/>
+          </p:cNvPicPr>
+          <p:nvPr/>
+        </p:nvPicPr>
+        <p:blipFill rotWithShape="1">
+          <a:blip r:embed="rId5"/>
+          <a:srcRect l="4547"/>
+          <a:stretch/>
+        </p:blipFill>
+        <p:spPr>
+          <a:xfrm>
+            <a:off x="949107" y="3802831"/>
+            <a:ext cx="6605707" cy="1675547"/>
+          </a:xfrm>
+          <a:prstGeom prst="rect">
+            <a:avLst/>
+          </a:prstGeom>
+        </p:spPr>
+      </p:pic>
+      <p:sp>
+        <p:nvSpPr>
+          <p:cNvPr id="7" name="CaixaDeTexto 6">
+            <a:extLst>
+              <a:ext uri="{FF2B5EF4-FFF2-40B4-BE49-F238E27FC236}">
+                <a16:creationId xmlns:a16="http://schemas.microsoft.com/office/drawing/2014/main" id="{B32F5442-0173-31E8-AFB5-2F79FBD2F447}"/>
+              </a:ext>
+            </a:extLst>
+          </p:cNvPr>
+          <p:cNvSpPr txBox="1"/>
+          <p:nvPr/>
+        </p:nvSpPr>
+        <p:spPr>
+          <a:xfrm rot="16200000">
+            <a:off x="-344356" y="2168353"/>
+            <a:ext cx="1826141" cy="369332"/>
+          </a:xfrm>
+          <a:prstGeom prst="rect">
+            <a:avLst/>
+          </a:prstGeom>
+          <a:noFill/>
+        </p:spPr>
+        <p:txBody>
+          <a:bodyPr wrap="none" rtlCol="0">
+            <a:spAutoFit/>
+          </a:bodyPr>
+          <a:lstStyle/>
+          <a:p>
+            <a:pPr algn="ctr"/>
+            <a:r>
+              <a:rPr lang="pt-BR" dirty="0" err="1">
+                <a:latin typeface="Arial Black" panose="020B0A04020102020204" pitchFamily="34" charset="0"/>
+                <a:cs typeface="Arial" panose="020B0604020202020204" pitchFamily="34" charset="0"/>
+              </a:rPr>
+              <a:t>under</a:t>
+            </a:r>
+            <a:r>
+              <a:rPr lang="pt-BR" dirty="0" err="1">
+                <a:latin typeface="Arial" panose="020B0604020202020204" pitchFamily="34" charset="0"/>
+                <a:cs typeface="Arial" panose="020B0604020202020204" pitchFamily="34" charset="0"/>
+              </a:rPr>
+              <a:t>sampling</a:t>
+            </a:r>
+            <a:endParaRPr lang="pt-BR" b="0" dirty="0">
+              <a:solidFill>
+                <a:srgbClr val="000000"/>
+              </a:solidFill>
+              <a:effectLst/>
+              <a:latin typeface="Arial" panose="020B0604020202020204" pitchFamily="34" charset="0"/>
+              <a:cs typeface="Arial" panose="020B0604020202020204" pitchFamily="34" charset="0"/>
+            </a:endParaRPr>
+          </a:p>
+        </p:txBody>
+      </p:sp>
+      <p:cxnSp>
+        <p:nvCxnSpPr>
+          <p:cNvPr id="11" name="Conector reto 10">
+            <a:extLst>
+              <a:ext uri="{FF2B5EF4-FFF2-40B4-BE49-F238E27FC236}">
+                <a16:creationId xmlns:a16="http://schemas.microsoft.com/office/drawing/2014/main" id="{EEF856F6-0B13-1FE8-CAF6-20B57BE78229}"/>
+              </a:ext>
+            </a:extLst>
+          </p:cNvPr>
+          <p:cNvCxnSpPr>
+            <a:cxnSpLocks/>
+          </p:cNvCxnSpPr>
+          <p:nvPr/>
+        </p:nvCxnSpPr>
+        <p:spPr>
+          <a:xfrm>
+            <a:off x="7434073" y="1447758"/>
+            <a:ext cx="0" cy="4084170"/>
+          </a:xfrm>
+          <a:prstGeom prst="line">
+            <a:avLst/>
+          </a:prstGeom>
+          <a:ln w="38100">
+            <a:solidFill>
+              <a:srgbClr val="FF0000"/>
+            </a:solidFill>
+          </a:ln>
+        </p:spPr>
+        <p:style>
+          <a:lnRef idx="1">
+            <a:schemeClr val="accent1"/>
+          </a:lnRef>
+          <a:fillRef idx="0">
+            <a:schemeClr val="accent1"/>
+          </a:fillRef>
+          <a:effectRef idx="0">
+            <a:schemeClr val="accent1"/>
+          </a:effectRef>
+          <a:fontRef idx="minor">
+            <a:schemeClr val="tx1"/>
+          </a:fontRef>
+        </p:style>
+      </p:cxnSp>
+      <p:sp>
+        <p:nvSpPr>
+          <p:cNvPr id="16" name="Retângulo 15">
+            <a:extLst>
+              <a:ext uri="{FF2B5EF4-FFF2-40B4-BE49-F238E27FC236}">
+                <a16:creationId xmlns:a16="http://schemas.microsoft.com/office/drawing/2014/main" id="{7FC5F787-D776-5933-CC48-6E4DEF05BA36}"/>
+              </a:ext>
+            </a:extLst>
+          </p:cNvPr>
+          <p:cNvSpPr/>
+          <p:nvPr/>
+        </p:nvSpPr>
+        <p:spPr>
+          <a:xfrm>
+            <a:off x="5469597" y="1554848"/>
+            <a:ext cx="958633" cy="1592276"/>
+          </a:xfrm>
+          <a:prstGeom prst="rect">
+            <a:avLst/>
+          </a:prstGeom>
+          <a:noFill/>
+          <a:ln w="19050">
+            <a:solidFill>
+              <a:srgbClr val="FF0000"/>
+            </a:solidFill>
+          </a:ln>
+        </p:spPr>
+        <p:style>
+          <a:lnRef idx="2">
+            <a:schemeClr val="accent1">
+              <a:shade val="15000"/>
+            </a:schemeClr>
+          </a:lnRef>
+          <a:fillRef idx="1">
+            <a:schemeClr val="accent1"/>
+          </a:fillRef>
+          <a:effectRef idx="0">
+            <a:schemeClr val="accent1"/>
+          </a:effectRef>
+          <a:fontRef idx="minor">
+            <a:schemeClr val="lt1"/>
+          </a:fontRef>
+        </p:style>
+        <p:txBody>
+          <a:bodyPr rtlCol="0" anchor="ctr"/>
+          <a:lstStyle/>
+          <a:p>
+            <a:pPr algn="ctr"/>
+            <a:endParaRPr lang="pt-BR"/>
+          </a:p>
+        </p:txBody>
+      </p:sp>
+      <p:sp>
+        <p:nvSpPr>
+          <p:cNvPr id="17" name="Retângulo 16">
+            <a:extLst>
+              <a:ext uri="{FF2B5EF4-FFF2-40B4-BE49-F238E27FC236}">
+                <a16:creationId xmlns:a16="http://schemas.microsoft.com/office/drawing/2014/main" id="{56D3A089-B195-817F-8639-79CAFD7CFB5D}"/>
+              </a:ext>
+            </a:extLst>
+          </p:cNvPr>
+          <p:cNvSpPr/>
+          <p:nvPr/>
+        </p:nvSpPr>
+        <p:spPr>
+          <a:xfrm>
+            <a:off x="9645357" y="1553120"/>
+            <a:ext cx="958633" cy="1592276"/>
+          </a:xfrm>
+          <a:prstGeom prst="rect">
+            <a:avLst/>
+          </a:prstGeom>
+          <a:noFill/>
+          <a:ln w="19050">
+            <a:solidFill>
+              <a:srgbClr val="FF0000"/>
+            </a:solidFill>
+          </a:ln>
+        </p:spPr>
+        <p:style>
+          <a:lnRef idx="2">
+            <a:schemeClr val="accent1">
+              <a:shade val="15000"/>
+            </a:schemeClr>
+          </a:lnRef>
+          <a:fillRef idx="1">
+            <a:schemeClr val="accent1"/>
+          </a:fillRef>
+          <a:effectRef idx="0">
+            <a:schemeClr val="accent1"/>
+          </a:effectRef>
+          <a:fontRef idx="minor">
+            <a:schemeClr val="lt1"/>
+          </a:fontRef>
+        </p:style>
+        <p:txBody>
+          <a:bodyPr rtlCol="0" anchor="ctr"/>
+          <a:lstStyle/>
+          <a:p>
+            <a:pPr algn="ctr"/>
+            <a:endParaRPr lang="pt-BR"/>
+          </a:p>
+        </p:txBody>
+      </p:sp>
+      <p:sp>
+        <p:nvSpPr>
+          <p:cNvPr id="2" name="CaixaDeTexto 1">
+            <a:extLst>
+              <a:ext uri="{FF2B5EF4-FFF2-40B4-BE49-F238E27FC236}">
+                <a16:creationId xmlns:a16="http://schemas.microsoft.com/office/drawing/2014/main" id="{DC12B116-4515-7CF6-650B-70A556653C0B}"/>
+              </a:ext>
+            </a:extLst>
+          </p:cNvPr>
+          <p:cNvSpPr txBox="1"/>
+          <p:nvPr/>
+        </p:nvSpPr>
+        <p:spPr>
+          <a:xfrm rot="16200000">
+            <a:off x="-254075" y="4454038"/>
+            <a:ext cx="1645579" cy="369332"/>
+          </a:xfrm>
+          <a:prstGeom prst="rect">
+            <a:avLst/>
+          </a:prstGeom>
+          <a:noFill/>
+        </p:spPr>
+        <p:txBody>
+          <a:bodyPr wrap="none" rtlCol="0">
+            <a:spAutoFit/>
+          </a:bodyPr>
+          <a:lstStyle/>
+          <a:p>
+            <a:pPr algn="ctr"/>
+            <a:r>
+              <a:rPr lang="pt-BR" dirty="0" err="1">
+                <a:latin typeface="Arial Black" panose="020B0A04020102020204" pitchFamily="34" charset="0"/>
+                <a:cs typeface="Arial" panose="020B0604020202020204" pitchFamily="34" charset="0"/>
+              </a:rPr>
+              <a:t>over</a:t>
+            </a:r>
+            <a:r>
+              <a:rPr lang="pt-BR" dirty="0" err="1">
+                <a:latin typeface="Arial" panose="020B0604020202020204" pitchFamily="34" charset="0"/>
+                <a:cs typeface="Arial" panose="020B0604020202020204" pitchFamily="34" charset="0"/>
+              </a:rPr>
+              <a:t>sampling</a:t>
+            </a:r>
+            <a:endParaRPr lang="pt-BR" b="0" dirty="0">
+              <a:solidFill>
+                <a:srgbClr val="000000"/>
+              </a:solidFill>
+              <a:effectLst/>
+              <a:latin typeface="Arial" panose="020B0604020202020204" pitchFamily="34" charset="0"/>
+              <a:cs typeface="Arial" panose="020B0604020202020204" pitchFamily="34" charset="0"/>
+            </a:endParaRPr>
+          </a:p>
+        </p:txBody>
+      </p:sp>
+      <p:sp>
+        <p:nvSpPr>
+          <p:cNvPr id="8" name="CaixaDeTexto 7">
+            <a:extLst>
+              <a:ext uri="{FF2B5EF4-FFF2-40B4-BE49-F238E27FC236}">
+                <a16:creationId xmlns:a16="http://schemas.microsoft.com/office/drawing/2014/main" id="{0E6D3997-31ED-E113-C850-B3169810ADAD}"/>
+              </a:ext>
+            </a:extLst>
+          </p:cNvPr>
+          <p:cNvSpPr txBox="1"/>
+          <p:nvPr/>
+        </p:nvSpPr>
+        <p:spPr>
+          <a:xfrm>
+            <a:off x="2220917" y="910974"/>
+            <a:ext cx="4299831" cy="369332"/>
+          </a:xfrm>
+          <a:prstGeom prst="rect">
+            <a:avLst/>
+          </a:prstGeom>
+          <a:noFill/>
+        </p:spPr>
+        <p:txBody>
+          <a:bodyPr wrap="none" rtlCol="0">
+            <a:spAutoFit/>
+          </a:bodyPr>
+          <a:lstStyle/>
+          <a:p>
+            <a:pPr algn="ctr"/>
+            <a:r>
+              <a:rPr lang="pt-BR" dirty="0" err="1">
+                <a:latin typeface="Arial Black" panose="020B0A04020102020204" pitchFamily="34" charset="0"/>
+                <a:cs typeface="Arial" panose="020B0604020202020204" pitchFamily="34" charset="0"/>
+              </a:rPr>
+              <a:t>holdout</a:t>
+            </a:r>
+            <a:r>
+              <a:rPr lang="pt-BR" dirty="0">
+                <a:latin typeface="Arial Black" panose="020B0A04020102020204" pitchFamily="34" charset="0"/>
+                <a:cs typeface="Arial" panose="020B0604020202020204" pitchFamily="34" charset="0"/>
+              </a:rPr>
+              <a:t> </a:t>
+            </a:r>
+            <a:r>
+              <a:rPr lang="pt-BR" dirty="0">
+                <a:latin typeface="Arial" panose="020B0604020202020204" pitchFamily="34" charset="0"/>
+                <a:cs typeface="Arial" panose="020B0604020202020204" pitchFamily="34" charset="0"/>
+              </a:rPr>
+              <a:t>c/ </a:t>
+            </a:r>
+            <a:r>
+              <a:rPr lang="pt-BR" dirty="0" err="1">
+                <a:latin typeface="Arial" panose="020B0604020202020204" pitchFamily="34" charset="0"/>
+                <a:cs typeface="Arial" panose="020B0604020202020204" pitchFamily="34" charset="0"/>
+              </a:rPr>
+              <a:t>hiperparâmetros</a:t>
+            </a:r>
+            <a:r>
+              <a:rPr lang="pt-BR" dirty="0">
+                <a:latin typeface="Arial" panose="020B0604020202020204" pitchFamily="34" charset="0"/>
+                <a:cs typeface="Arial" panose="020B0604020202020204" pitchFamily="34" charset="0"/>
+              </a:rPr>
+              <a:t> </a:t>
+            </a:r>
+            <a:r>
+              <a:rPr lang="pt-BR" dirty="0">
+                <a:latin typeface="Arial Black" panose="020B0A04020102020204" pitchFamily="34" charset="0"/>
+                <a:cs typeface="Arial" panose="020B0604020202020204" pitchFamily="34" charset="0"/>
+              </a:rPr>
+              <a:t>normais</a:t>
+            </a:r>
+            <a:endParaRPr lang="pt-BR" b="0" dirty="0">
+              <a:solidFill>
+                <a:srgbClr val="000000"/>
+              </a:solidFill>
+              <a:effectLst/>
+              <a:latin typeface="Arial Black" panose="020B0A04020102020204" pitchFamily="34" charset="0"/>
+              <a:cs typeface="Arial" panose="020B0604020202020204" pitchFamily="34" charset="0"/>
+            </a:endParaRPr>
+          </a:p>
+        </p:txBody>
+      </p:sp>
+      <p:sp>
+        <p:nvSpPr>
+          <p:cNvPr id="10" name="CaixaDeTexto 9">
+            <a:extLst>
+              <a:ext uri="{FF2B5EF4-FFF2-40B4-BE49-F238E27FC236}">
+                <a16:creationId xmlns:a16="http://schemas.microsoft.com/office/drawing/2014/main" id="{C936AACD-D571-DF68-7776-976CD27D9D95}"/>
+              </a:ext>
+            </a:extLst>
+          </p:cNvPr>
+          <p:cNvSpPr txBox="1"/>
+          <p:nvPr/>
+        </p:nvSpPr>
+        <p:spPr>
+          <a:xfrm>
+            <a:off x="7435201" y="936882"/>
+            <a:ext cx="4420314" cy="369332"/>
+          </a:xfrm>
+          <a:prstGeom prst="rect">
+            <a:avLst/>
+          </a:prstGeom>
+          <a:noFill/>
+        </p:spPr>
+        <p:txBody>
+          <a:bodyPr wrap="none" rtlCol="0">
+            <a:spAutoFit/>
+          </a:bodyPr>
+          <a:lstStyle/>
+          <a:p>
+            <a:pPr algn="ctr"/>
+            <a:r>
+              <a:rPr lang="pt-BR" dirty="0" err="1">
+                <a:latin typeface="Arial Black" panose="020B0A04020102020204" pitchFamily="34" charset="0"/>
+                <a:cs typeface="Arial" panose="020B0604020202020204" pitchFamily="34" charset="0"/>
+              </a:rPr>
+              <a:t>holdout</a:t>
+            </a:r>
+            <a:r>
+              <a:rPr lang="pt-BR" dirty="0">
+                <a:latin typeface="Arial Black" panose="020B0A04020102020204" pitchFamily="34" charset="0"/>
+                <a:cs typeface="Arial" panose="020B0604020202020204" pitchFamily="34" charset="0"/>
+              </a:rPr>
+              <a:t> </a:t>
+            </a:r>
+            <a:r>
+              <a:rPr lang="pt-BR" dirty="0">
+                <a:latin typeface="Arial" panose="020B0604020202020204" pitchFamily="34" charset="0"/>
+                <a:cs typeface="Arial" panose="020B0604020202020204" pitchFamily="34" charset="0"/>
+              </a:rPr>
+              <a:t>c/</a:t>
+            </a:r>
+            <a:r>
+              <a:rPr lang="pt-BR" dirty="0">
+                <a:latin typeface="Arial Black" panose="020B0A04020102020204" pitchFamily="34" charset="0"/>
+                <a:cs typeface="Arial" panose="020B0604020202020204" pitchFamily="34" charset="0"/>
+              </a:rPr>
+              <a:t> melhores</a:t>
+            </a:r>
+            <a:r>
+              <a:rPr lang="pt-BR" dirty="0">
+                <a:latin typeface="Arial" panose="020B0604020202020204" pitchFamily="34" charset="0"/>
+                <a:cs typeface="Arial" panose="020B0604020202020204" pitchFamily="34" charset="0"/>
+              </a:rPr>
+              <a:t> </a:t>
+            </a:r>
+            <a:r>
+              <a:rPr lang="pt-BR" dirty="0" err="1">
+                <a:latin typeface="Arial" panose="020B0604020202020204" pitchFamily="34" charset="0"/>
+                <a:cs typeface="Arial" panose="020B0604020202020204" pitchFamily="34" charset="0"/>
+              </a:rPr>
+              <a:t>hiperparâmetros</a:t>
+            </a:r>
+            <a:endParaRPr lang="pt-BR" b="0" dirty="0">
+              <a:solidFill>
+                <a:srgbClr val="000000"/>
+              </a:solidFill>
+              <a:effectLst/>
+              <a:latin typeface="Arial Black" panose="020B0A04020102020204" pitchFamily="34" charset="0"/>
+              <a:cs typeface="Arial" panose="020B0604020202020204" pitchFamily="34" charset="0"/>
+            </a:endParaRPr>
+          </a:p>
+        </p:txBody>
+      </p:sp>
+    </p:spTree>
+    <p:extLst>
+      <p:ext uri="{BB962C8B-B14F-4D97-AF65-F5344CB8AC3E}">
+        <p14:creationId xmlns:p14="http://schemas.microsoft.com/office/powerpoint/2010/main" val="1559180420"/>
+      </p:ext>
+    </p:extLst>
+  </p:cSld>
+  <p:clrMapOvr>
+    <a:masterClrMapping/>
+  </p:clrMapOvr>
+</p:sld>
+</file>
+
+<file path=ppt/slides/slide23.xml><?xml version="1.0" encoding="utf-8"?>
+<p:sld xmlns:a="http://schemas.openxmlformats.org/drawingml/2006/main" xmlns:r="http://schemas.openxmlformats.org/officeDocument/2006/relationships" xmlns:p="http://schemas.openxmlformats.org/presentationml/2006/main">
+  <p:cSld>
+    <p:spTree>
+      <p:nvGrpSpPr>
+        <p:cNvPr id="1" name=""/>
+        <p:cNvGrpSpPr/>
+        <p:nvPr/>
+      </p:nvGrpSpPr>
+      <p:grpSpPr>
+        <a:xfrm>
+          <a:off x="0" y="0"/>
+          <a:ext cx="0" cy="0"/>
+          <a:chOff x="0" y="0"/>
+          <a:chExt cx="0" cy="0"/>
+        </a:xfrm>
+      </p:grpSpPr>
+      <p:pic>
+        <p:nvPicPr>
+          <p:cNvPr id="15" name="Imagem 14">
+            <a:extLst>
+              <a:ext uri="{FF2B5EF4-FFF2-40B4-BE49-F238E27FC236}">
+                <a16:creationId xmlns:a16="http://schemas.microsoft.com/office/drawing/2014/main" id="{1CF18766-8BAF-0A1B-D5A5-902D78E933CE}"/>
+              </a:ext>
+            </a:extLst>
+          </p:cNvPr>
+          <p:cNvPicPr>
+            <a:picLocks noChangeAspect="1"/>
+          </p:cNvPicPr>
+          <p:nvPr/>
+        </p:nvPicPr>
+        <p:blipFill>
+          <a:blip r:embed="rId2"/>
+          <a:stretch>
+            <a:fillRect/>
+          </a:stretch>
+        </p:blipFill>
+        <p:spPr>
+          <a:xfrm>
+            <a:off x="5047489" y="3802831"/>
+            <a:ext cx="6784848" cy="1671747"/>
+          </a:xfrm>
+          <a:prstGeom prst="rect">
+            <a:avLst/>
+          </a:prstGeom>
+        </p:spPr>
+      </p:pic>
+      <p:pic>
+        <p:nvPicPr>
+          <p:cNvPr id="9" name="Imagem 8">
+            <a:extLst>
+              <a:ext uri="{FF2B5EF4-FFF2-40B4-BE49-F238E27FC236}">
+                <a16:creationId xmlns:a16="http://schemas.microsoft.com/office/drawing/2014/main" id="{78C2D378-76F9-7A26-5AC5-CDB33DF64776}"/>
+              </a:ext>
+            </a:extLst>
+          </p:cNvPr>
+          <p:cNvPicPr>
+            <a:picLocks noChangeAspect="1"/>
+          </p:cNvPicPr>
+          <p:nvPr/>
+        </p:nvPicPr>
+        <p:blipFill rotWithShape="1">
+          <a:blip r:embed="rId3"/>
+          <a:srcRect l="5675"/>
+          <a:stretch/>
+        </p:blipFill>
+        <p:spPr>
+          <a:xfrm>
+            <a:off x="5115782" y="1589148"/>
+            <a:ext cx="6675120" cy="1527743"/>
+          </a:xfrm>
+          <a:prstGeom prst="rect">
+            <a:avLst/>
+          </a:prstGeom>
+        </p:spPr>
+      </p:pic>
+      <p:pic>
+        <p:nvPicPr>
+          <p:cNvPr id="3" name="Imagem 2">
+            <a:extLst>
+              <a:ext uri="{FF2B5EF4-FFF2-40B4-BE49-F238E27FC236}">
+                <a16:creationId xmlns:a16="http://schemas.microsoft.com/office/drawing/2014/main" id="{215ABF16-35DD-3EFC-1B19-0560B4D3CFAF}"/>
+              </a:ext>
+            </a:extLst>
+          </p:cNvPr>
+          <p:cNvPicPr>
+            <a:picLocks noChangeAspect="1"/>
+          </p:cNvPicPr>
+          <p:nvPr/>
+        </p:nvPicPr>
+        <p:blipFill rotWithShape="1">
+          <a:blip r:embed="rId4"/>
+          <a:srcRect l="5156"/>
+          <a:stretch/>
+        </p:blipFill>
+        <p:spPr>
+          <a:xfrm>
+            <a:off x="1042417" y="1590110"/>
+            <a:ext cx="6419088" cy="1608872"/>
+          </a:xfrm>
+          <a:prstGeom prst="rect">
+            <a:avLst/>
+          </a:prstGeom>
+        </p:spPr>
+      </p:pic>
+      <p:pic>
+        <p:nvPicPr>
+          <p:cNvPr id="6" name="Imagem 5">
+            <a:extLst>
+              <a:ext uri="{FF2B5EF4-FFF2-40B4-BE49-F238E27FC236}">
+                <a16:creationId xmlns:a16="http://schemas.microsoft.com/office/drawing/2014/main" id="{23E87ABC-AC6D-95F2-B2F5-3F6415BB4213}"/>
+              </a:ext>
+            </a:extLst>
+          </p:cNvPr>
+          <p:cNvPicPr>
+            <a:picLocks noChangeAspect="1"/>
+          </p:cNvPicPr>
+          <p:nvPr/>
+        </p:nvPicPr>
+        <p:blipFill rotWithShape="1">
+          <a:blip r:embed="rId5"/>
+          <a:srcRect l="4547"/>
+          <a:stretch/>
+        </p:blipFill>
+        <p:spPr>
+          <a:xfrm>
+            <a:off x="949107" y="3802831"/>
+            <a:ext cx="6605707" cy="1675547"/>
+          </a:xfrm>
+          <a:prstGeom prst="rect">
+            <a:avLst/>
+          </a:prstGeom>
+        </p:spPr>
+      </p:pic>
+      <p:sp>
+        <p:nvSpPr>
+          <p:cNvPr id="7" name="CaixaDeTexto 6">
+            <a:extLst>
+              <a:ext uri="{FF2B5EF4-FFF2-40B4-BE49-F238E27FC236}">
+                <a16:creationId xmlns:a16="http://schemas.microsoft.com/office/drawing/2014/main" id="{B32F5442-0173-31E8-AFB5-2F79FBD2F447}"/>
+              </a:ext>
+            </a:extLst>
+          </p:cNvPr>
+          <p:cNvSpPr txBox="1"/>
+          <p:nvPr/>
+        </p:nvSpPr>
+        <p:spPr>
+          <a:xfrm rot="16200000">
+            <a:off x="-344356" y="2168353"/>
+            <a:ext cx="1826141" cy="369332"/>
+          </a:xfrm>
+          <a:prstGeom prst="rect">
+            <a:avLst/>
+          </a:prstGeom>
+          <a:noFill/>
+        </p:spPr>
+        <p:txBody>
+          <a:bodyPr wrap="none" rtlCol="0">
+            <a:spAutoFit/>
+          </a:bodyPr>
+          <a:lstStyle/>
+          <a:p>
+            <a:pPr algn="ctr"/>
+            <a:r>
+              <a:rPr lang="pt-BR" dirty="0" err="1">
+                <a:latin typeface="Arial Black" panose="020B0A04020102020204" pitchFamily="34" charset="0"/>
+                <a:cs typeface="Arial" panose="020B0604020202020204" pitchFamily="34" charset="0"/>
+              </a:rPr>
+              <a:t>under</a:t>
+            </a:r>
+            <a:r>
+              <a:rPr lang="pt-BR" dirty="0" err="1">
+                <a:latin typeface="Arial" panose="020B0604020202020204" pitchFamily="34" charset="0"/>
+                <a:cs typeface="Arial" panose="020B0604020202020204" pitchFamily="34" charset="0"/>
+              </a:rPr>
+              <a:t>sampling</a:t>
+            </a:r>
+            <a:endParaRPr lang="pt-BR" b="0" dirty="0">
+              <a:solidFill>
+                <a:srgbClr val="000000"/>
+              </a:solidFill>
+              <a:effectLst/>
+              <a:latin typeface="Arial" panose="020B0604020202020204" pitchFamily="34" charset="0"/>
+              <a:cs typeface="Arial" panose="020B0604020202020204" pitchFamily="34" charset="0"/>
+            </a:endParaRPr>
+          </a:p>
+        </p:txBody>
+      </p:sp>
+      <p:cxnSp>
+        <p:nvCxnSpPr>
+          <p:cNvPr id="11" name="Conector reto 10">
+            <a:extLst>
+              <a:ext uri="{FF2B5EF4-FFF2-40B4-BE49-F238E27FC236}">
+                <a16:creationId xmlns:a16="http://schemas.microsoft.com/office/drawing/2014/main" id="{EEF856F6-0B13-1FE8-CAF6-20B57BE78229}"/>
+              </a:ext>
+            </a:extLst>
+          </p:cNvPr>
+          <p:cNvCxnSpPr>
+            <a:cxnSpLocks/>
+          </p:cNvCxnSpPr>
+          <p:nvPr/>
+        </p:nvCxnSpPr>
+        <p:spPr>
+          <a:xfrm>
+            <a:off x="7434073" y="1447758"/>
+            <a:ext cx="0" cy="4084170"/>
+          </a:xfrm>
+          <a:prstGeom prst="line">
+            <a:avLst/>
+          </a:prstGeom>
+          <a:ln w="38100">
+            <a:solidFill>
+              <a:srgbClr val="FF0000"/>
+            </a:solidFill>
+          </a:ln>
+        </p:spPr>
+        <p:style>
+          <a:lnRef idx="1">
+            <a:schemeClr val="accent1"/>
+          </a:lnRef>
+          <a:fillRef idx="0">
+            <a:schemeClr val="accent1"/>
+          </a:fillRef>
+          <a:effectRef idx="0">
+            <a:schemeClr val="accent1"/>
+          </a:effectRef>
+          <a:fontRef idx="minor">
+            <a:schemeClr val="tx1"/>
+          </a:fontRef>
+        </p:style>
+      </p:cxnSp>
+      <p:sp>
+        <p:nvSpPr>
+          <p:cNvPr id="13" name="CaixaDeTexto 12">
+            <a:extLst>
+              <a:ext uri="{FF2B5EF4-FFF2-40B4-BE49-F238E27FC236}">
+                <a16:creationId xmlns:a16="http://schemas.microsoft.com/office/drawing/2014/main" id="{3CB2AD99-A701-0172-AE23-D7E5809E31FA}"/>
+              </a:ext>
+            </a:extLst>
+          </p:cNvPr>
+          <p:cNvSpPr txBox="1"/>
+          <p:nvPr/>
+        </p:nvSpPr>
+        <p:spPr>
+          <a:xfrm rot="16200000">
+            <a:off x="-254075" y="4454038"/>
+            <a:ext cx="1645579" cy="369332"/>
+          </a:xfrm>
+          <a:prstGeom prst="rect">
+            <a:avLst/>
+          </a:prstGeom>
+          <a:noFill/>
+        </p:spPr>
+        <p:txBody>
+          <a:bodyPr wrap="none" rtlCol="0">
+            <a:spAutoFit/>
+          </a:bodyPr>
+          <a:lstStyle/>
+          <a:p>
+            <a:pPr algn="ctr"/>
+            <a:r>
+              <a:rPr lang="pt-BR" dirty="0" err="1">
+                <a:latin typeface="Arial Black" panose="020B0A04020102020204" pitchFamily="34" charset="0"/>
+                <a:cs typeface="Arial" panose="020B0604020202020204" pitchFamily="34" charset="0"/>
+              </a:rPr>
+              <a:t>over</a:t>
+            </a:r>
+            <a:r>
+              <a:rPr lang="pt-BR" dirty="0" err="1">
+                <a:latin typeface="Arial" panose="020B0604020202020204" pitchFamily="34" charset="0"/>
+                <a:cs typeface="Arial" panose="020B0604020202020204" pitchFamily="34" charset="0"/>
+              </a:rPr>
+              <a:t>sampling</a:t>
+            </a:r>
+            <a:endParaRPr lang="pt-BR" b="0" dirty="0">
+              <a:solidFill>
+                <a:srgbClr val="000000"/>
+              </a:solidFill>
+              <a:effectLst/>
+              <a:latin typeface="Arial" panose="020B0604020202020204" pitchFamily="34" charset="0"/>
+              <a:cs typeface="Arial" panose="020B0604020202020204" pitchFamily="34" charset="0"/>
+            </a:endParaRPr>
+          </a:p>
+        </p:txBody>
+      </p:sp>
+      <p:sp>
+        <p:nvSpPr>
+          <p:cNvPr id="16" name="Retângulo 15">
+            <a:extLst>
+              <a:ext uri="{FF2B5EF4-FFF2-40B4-BE49-F238E27FC236}">
+                <a16:creationId xmlns:a16="http://schemas.microsoft.com/office/drawing/2014/main" id="{7FC5F787-D776-5933-CC48-6E4DEF05BA36}"/>
+              </a:ext>
+            </a:extLst>
+          </p:cNvPr>
+          <p:cNvSpPr/>
+          <p:nvPr/>
+        </p:nvSpPr>
+        <p:spPr>
+          <a:xfrm>
+            <a:off x="5469597" y="3831704"/>
+            <a:ext cx="958633" cy="1592276"/>
+          </a:xfrm>
+          <a:prstGeom prst="rect">
+            <a:avLst/>
+          </a:prstGeom>
+          <a:noFill/>
+          <a:ln w="19050">
+            <a:solidFill>
+              <a:srgbClr val="FF0000"/>
+            </a:solidFill>
+          </a:ln>
+        </p:spPr>
+        <p:style>
+          <a:lnRef idx="2">
+            <a:schemeClr val="accent1">
+              <a:shade val="15000"/>
+            </a:schemeClr>
+          </a:lnRef>
+          <a:fillRef idx="1">
+            <a:schemeClr val="accent1"/>
+          </a:fillRef>
+          <a:effectRef idx="0">
+            <a:schemeClr val="accent1"/>
+          </a:effectRef>
+          <a:fontRef idx="minor">
+            <a:schemeClr val="lt1"/>
+          </a:fontRef>
+        </p:style>
+        <p:txBody>
+          <a:bodyPr rtlCol="0" anchor="ctr"/>
+          <a:lstStyle/>
+          <a:p>
+            <a:pPr algn="ctr"/>
+            <a:endParaRPr lang="pt-BR"/>
+          </a:p>
+        </p:txBody>
+      </p:sp>
+      <p:sp>
+        <p:nvSpPr>
+          <p:cNvPr id="17" name="Retângulo 16">
+            <a:extLst>
+              <a:ext uri="{FF2B5EF4-FFF2-40B4-BE49-F238E27FC236}">
+                <a16:creationId xmlns:a16="http://schemas.microsoft.com/office/drawing/2014/main" id="{56D3A089-B195-817F-8639-79CAFD7CFB5D}"/>
+              </a:ext>
+            </a:extLst>
+          </p:cNvPr>
+          <p:cNvSpPr/>
+          <p:nvPr/>
+        </p:nvSpPr>
+        <p:spPr>
+          <a:xfrm>
+            <a:off x="9645357" y="3829976"/>
+            <a:ext cx="958633" cy="1592276"/>
+          </a:xfrm>
+          <a:prstGeom prst="rect">
+            <a:avLst/>
+          </a:prstGeom>
+          <a:noFill/>
+          <a:ln w="19050">
+            <a:solidFill>
+              <a:srgbClr val="FF0000"/>
+            </a:solidFill>
+          </a:ln>
+        </p:spPr>
+        <p:style>
+          <a:lnRef idx="2">
+            <a:schemeClr val="accent1">
+              <a:shade val="15000"/>
+            </a:schemeClr>
+          </a:lnRef>
+          <a:fillRef idx="1">
+            <a:schemeClr val="accent1"/>
+          </a:fillRef>
+          <a:effectRef idx="0">
+            <a:schemeClr val="accent1"/>
+          </a:effectRef>
+          <a:fontRef idx="minor">
+            <a:schemeClr val="lt1"/>
+          </a:fontRef>
+        </p:style>
+        <p:txBody>
+          <a:bodyPr rtlCol="0" anchor="ctr"/>
+          <a:lstStyle/>
+          <a:p>
+            <a:pPr algn="ctr"/>
+            <a:endParaRPr lang="pt-BR"/>
+          </a:p>
+        </p:txBody>
+      </p:sp>
+      <p:sp>
+        <p:nvSpPr>
+          <p:cNvPr id="20" name="CaixaDeTexto 19">
+            <a:extLst>
+              <a:ext uri="{FF2B5EF4-FFF2-40B4-BE49-F238E27FC236}">
+                <a16:creationId xmlns:a16="http://schemas.microsoft.com/office/drawing/2014/main" id="{B6A5C67B-95D4-8C95-A1D4-DF54AD0F2963}"/>
+              </a:ext>
+            </a:extLst>
+          </p:cNvPr>
+          <p:cNvSpPr txBox="1"/>
+          <p:nvPr/>
+        </p:nvSpPr>
+        <p:spPr>
+          <a:xfrm>
+            <a:off x="2220917" y="910974"/>
+            <a:ext cx="4299831" cy="369332"/>
+          </a:xfrm>
+          <a:prstGeom prst="rect">
+            <a:avLst/>
+          </a:prstGeom>
+          <a:noFill/>
+        </p:spPr>
+        <p:txBody>
+          <a:bodyPr wrap="none" rtlCol="0">
+            <a:spAutoFit/>
+          </a:bodyPr>
+          <a:lstStyle/>
+          <a:p>
+            <a:pPr algn="ctr"/>
+            <a:r>
+              <a:rPr lang="pt-BR" dirty="0" err="1">
+                <a:latin typeface="Arial Black" panose="020B0A04020102020204" pitchFamily="34" charset="0"/>
+                <a:cs typeface="Arial" panose="020B0604020202020204" pitchFamily="34" charset="0"/>
+              </a:rPr>
+              <a:t>holdout</a:t>
+            </a:r>
+            <a:r>
+              <a:rPr lang="pt-BR" dirty="0">
+                <a:latin typeface="Arial Black" panose="020B0A04020102020204" pitchFamily="34" charset="0"/>
+                <a:cs typeface="Arial" panose="020B0604020202020204" pitchFamily="34" charset="0"/>
+              </a:rPr>
+              <a:t> </a:t>
+            </a:r>
+            <a:r>
+              <a:rPr lang="pt-BR" dirty="0">
+                <a:latin typeface="Arial" panose="020B0604020202020204" pitchFamily="34" charset="0"/>
+                <a:cs typeface="Arial" panose="020B0604020202020204" pitchFamily="34" charset="0"/>
+              </a:rPr>
+              <a:t>c/ </a:t>
+            </a:r>
+            <a:r>
+              <a:rPr lang="pt-BR" dirty="0" err="1">
+                <a:latin typeface="Arial" panose="020B0604020202020204" pitchFamily="34" charset="0"/>
+                <a:cs typeface="Arial" panose="020B0604020202020204" pitchFamily="34" charset="0"/>
+              </a:rPr>
+              <a:t>hiperparâmetros</a:t>
+            </a:r>
+            <a:r>
+              <a:rPr lang="pt-BR" dirty="0">
+                <a:latin typeface="Arial" panose="020B0604020202020204" pitchFamily="34" charset="0"/>
+                <a:cs typeface="Arial" panose="020B0604020202020204" pitchFamily="34" charset="0"/>
+              </a:rPr>
+              <a:t> </a:t>
+            </a:r>
+            <a:r>
+              <a:rPr lang="pt-BR" dirty="0">
+                <a:latin typeface="Arial Black" panose="020B0A04020102020204" pitchFamily="34" charset="0"/>
+                <a:cs typeface="Arial" panose="020B0604020202020204" pitchFamily="34" charset="0"/>
+              </a:rPr>
+              <a:t>normais</a:t>
+            </a:r>
+            <a:endParaRPr lang="pt-BR" b="0" dirty="0">
+              <a:solidFill>
+                <a:srgbClr val="000000"/>
+              </a:solidFill>
+              <a:effectLst/>
+              <a:latin typeface="Arial Black" panose="020B0A04020102020204" pitchFamily="34" charset="0"/>
+              <a:cs typeface="Arial" panose="020B0604020202020204" pitchFamily="34" charset="0"/>
+            </a:endParaRPr>
+          </a:p>
+        </p:txBody>
+      </p:sp>
+      <p:sp>
+        <p:nvSpPr>
+          <p:cNvPr id="21" name="CaixaDeTexto 20">
+            <a:extLst>
+              <a:ext uri="{FF2B5EF4-FFF2-40B4-BE49-F238E27FC236}">
+                <a16:creationId xmlns:a16="http://schemas.microsoft.com/office/drawing/2014/main" id="{638F32DE-F7D3-CCB8-E93E-8C90B830DCEE}"/>
+              </a:ext>
+            </a:extLst>
+          </p:cNvPr>
+          <p:cNvSpPr txBox="1"/>
+          <p:nvPr/>
+        </p:nvSpPr>
+        <p:spPr>
+          <a:xfrm>
+            <a:off x="7435201" y="936882"/>
+            <a:ext cx="4420314" cy="369332"/>
+          </a:xfrm>
+          <a:prstGeom prst="rect">
+            <a:avLst/>
+          </a:prstGeom>
+          <a:noFill/>
+        </p:spPr>
+        <p:txBody>
+          <a:bodyPr wrap="none" rtlCol="0">
+            <a:spAutoFit/>
+          </a:bodyPr>
+          <a:lstStyle/>
+          <a:p>
+            <a:pPr algn="ctr"/>
+            <a:r>
+              <a:rPr lang="pt-BR" dirty="0" err="1">
+                <a:latin typeface="Arial Black" panose="020B0A04020102020204" pitchFamily="34" charset="0"/>
+                <a:cs typeface="Arial" panose="020B0604020202020204" pitchFamily="34" charset="0"/>
+              </a:rPr>
+              <a:t>holdout</a:t>
+            </a:r>
+            <a:r>
+              <a:rPr lang="pt-BR" dirty="0">
+                <a:latin typeface="Arial Black" panose="020B0A04020102020204" pitchFamily="34" charset="0"/>
+                <a:cs typeface="Arial" panose="020B0604020202020204" pitchFamily="34" charset="0"/>
+              </a:rPr>
+              <a:t> </a:t>
+            </a:r>
+            <a:r>
+              <a:rPr lang="pt-BR" dirty="0">
+                <a:latin typeface="Arial" panose="020B0604020202020204" pitchFamily="34" charset="0"/>
+                <a:cs typeface="Arial" panose="020B0604020202020204" pitchFamily="34" charset="0"/>
+              </a:rPr>
+              <a:t>c/</a:t>
+            </a:r>
+            <a:r>
+              <a:rPr lang="pt-BR" dirty="0">
+                <a:latin typeface="Arial Black" panose="020B0A04020102020204" pitchFamily="34" charset="0"/>
+                <a:cs typeface="Arial" panose="020B0604020202020204" pitchFamily="34" charset="0"/>
+              </a:rPr>
+              <a:t> melhores</a:t>
+            </a:r>
+            <a:r>
+              <a:rPr lang="pt-BR" dirty="0">
+                <a:latin typeface="Arial" panose="020B0604020202020204" pitchFamily="34" charset="0"/>
+                <a:cs typeface="Arial" panose="020B0604020202020204" pitchFamily="34" charset="0"/>
+              </a:rPr>
+              <a:t> </a:t>
+            </a:r>
+            <a:r>
+              <a:rPr lang="pt-BR" dirty="0" err="1">
+                <a:latin typeface="Arial" panose="020B0604020202020204" pitchFamily="34" charset="0"/>
+                <a:cs typeface="Arial" panose="020B0604020202020204" pitchFamily="34" charset="0"/>
+              </a:rPr>
+              <a:t>hiperparâmetros</a:t>
+            </a:r>
+            <a:endParaRPr lang="pt-BR" b="0" dirty="0">
+              <a:solidFill>
+                <a:srgbClr val="000000"/>
+              </a:solidFill>
+              <a:effectLst/>
+              <a:latin typeface="Arial Black" panose="020B0A04020102020204" pitchFamily="34" charset="0"/>
+              <a:cs typeface="Arial" panose="020B0604020202020204" pitchFamily="34" charset="0"/>
+            </a:endParaRPr>
+          </a:p>
+        </p:txBody>
+      </p:sp>
+    </p:spTree>
+    <p:extLst>
+      <p:ext uri="{BB962C8B-B14F-4D97-AF65-F5344CB8AC3E}">
+        <p14:creationId xmlns:p14="http://schemas.microsoft.com/office/powerpoint/2010/main" val="2539895150"/>
+      </p:ext>
+    </p:extLst>
+  </p:cSld>
+  <p:clrMapOvr>
+    <a:masterClrMapping/>
+  </p:clrMapOvr>
+  <mc:AlternateContent xmlns:mc="http://schemas.openxmlformats.org/markup-compatibility/2006">
+    <mc:Choice xmlns:p159="http://schemas.microsoft.com/office/powerpoint/2015/09/main" Requires="p159">
+      <p:transition xmlns:p14="http://schemas.microsoft.com/office/powerpoint/2010/main" spd="slow" p14:dur="2000">
+        <p159:morph option="byObject"/>
+      </p:transition>
+    </mc:Choice>
+    <mc:Fallback>
+      <p:transition spd="slow">
+        <p:fade/>
+      </p:transition>
+    </mc:Fallback>
+  </mc:AlternateContent>
+</p:sld>
+</file>
+
+<file path=ppt/slides/slide24.xml><?xml version="1.0" encoding="utf-8"?>
+<p:sld xmlns:a="http://schemas.openxmlformats.org/drawingml/2006/main" xmlns:r="http://schemas.openxmlformats.org/officeDocument/2006/relationships" xmlns:p="http://schemas.openxmlformats.org/presentationml/2006/main">
+  <p:cSld>
+    <p:spTree>
+      <p:nvGrpSpPr>
+        <p:cNvPr id="1" name=""/>
+        <p:cNvGrpSpPr/>
+        <p:nvPr/>
+      </p:nvGrpSpPr>
+      <p:grpSpPr>
+        <a:xfrm>
+          <a:off x="0" y="0"/>
+          <a:ext cx="0" cy="0"/>
+          <a:chOff x="0" y="0"/>
+          <a:chExt cx="0" cy="0"/>
+        </a:xfrm>
+      </p:grpSpPr>
+      <p:pic>
+        <p:nvPicPr>
+          <p:cNvPr id="11" name="Imagem 10">
+            <a:extLst>
+              <a:ext uri="{FF2B5EF4-FFF2-40B4-BE49-F238E27FC236}">
+                <a16:creationId xmlns:a16="http://schemas.microsoft.com/office/drawing/2014/main" id="{5E44F228-E0B7-542B-328A-D2D4ABF15ED4}"/>
+              </a:ext>
+            </a:extLst>
+          </p:cNvPr>
+          <p:cNvPicPr>
+            <a:picLocks noChangeAspect="1"/>
+          </p:cNvPicPr>
+          <p:nvPr/>
+        </p:nvPicPr>
+        <p:blipFill>
+          <a:blip r:embed="rId2"/>
+          <a:stretch>
+            <a:fillRect/>
+          </a:stretch>
+        </p:blipFill>
+        <p:spPr>
+          <a:xfrm>
+            <a:off x="7425642" y="3815109"/>
+            <a:ext cx="3949492" cy="1481060"/>
+          </a:xfrm>
+          <a:prstGeom prst="rect">
+            <a:avLst/>
+          </a:prstGeom>
+        </p:spPr>
+      </p:pic>
+      <p:pic>
+        <p:nvPicPr>
+          <p:cNvPr id="13" name="Imagem 12">
+            <a:extLst>
+              <a:ext uri="{FF2B5EF4-FFF2-40B4-BE49-F238E27FC236}">
+                <a16:creationId xmlns:a16="http://schemas.microsoft.com/office/drawing/2014/main" id="{F3EB5032-9699-AB76-41DC-57A282D831C0}"/>
+              </a:ext>
+            </a:extLst>
+          </p:cNvPr>
+          <p:cNvPicPr>
+            <a:picLocks noChangeAspect="1"/>
+          </p:cNvPicPr>
+          <p:nvPr/>
+        </p:nvPicPr>
+        <p:blipFill>
+          <a:blip r:embed="rId3"/>
+          <a:stretch>
+            <a:fillRect/>
+          </a:stretch>
+        </p:blipFill>
+        <p:spPr>
+          <a:xfrm>
+            <a:off x="7379563" y="1561831"/>
+            <a:ext cx="4041649" cy="1526163"/>
+          </a:xfrm>
+          <a:prstGeom prst="rect">
+            <a:avLst/>
+          </a:prstGeom>
+        </p:spPr>
+      </p:pic>
+      <p:pic>
+        <p:nvPicPr>
+          <p:cNvPr id="5" name="Imagem 4">
+            <a:extLst>
+              <a:ext uri="{FF2B5EF4-FFF2-40B4-BE49-F238E27FC236}">
+                <a16:creationId xmlns:a16="http://schemas.microsoft.com/office/drawing/2014/main" id="{B791ECF4-5881-9183-2F83-B805D9A01BF6}"/>
+              </a:ext>
+            </a:extLst>
+          </p:cNvPr>
+          <p:cNvPicPr>
+            <a:picLocks noChangeAspect="1"/>
+          </p:cNvPicPr>
+          <p:nvPr/>
+        </p:nvPicPr>
+        <p:blipFill rotWithShape="1">
+          <a:blip r:embed="rId4"/>
+          <a:srcRect l="6418" t="4595"/>
+          <a:stretch/>
+        </p:blipFill>
+        <p:spPr>
+          <a:xfrm>
+            <a:off x="1043302" y="1561831"/>
+            <a:ext cx="6382340" cy="1608572"/>
+          </a:xfrm>
+          <a:prstGeom prst="rect">
+            <a:avLst/>
+          </a:prstGeom>
+        </p:spPr>
+      </p:pic>
+      <p:pic>
+        <p:nvPicPr>
+          <p:cNvPr id="10" name="Imagem 9">
+            <a:extLst>
+              <a:ext uri="{FF2B5EF4-FFF2-40B4-BE49-F238E27FC236}">
+                <a16:creationId xmlns:a16="http://schemas.microsoft.com/office/drawing/2014/main" id="{5C01FA01-CA95-E7DD-4C23-EC9786832D40}"/>
+              </a:ext>
+            </a:extLst>
+          </p:cNvPr>
+          <p:cNvPicPr>
+            <a:picLocks noChangeAspect="1"/>
+          </p:cNvPicPr>
+          <p:nvPr/>
+        </p:nvPicPr>
+        <p:blipFill rotWithShape="1">
+          <a:blip r:embed="rId5"/>
+          <a:srcRect l="4332"/>
+          <a:stretch/>
+        </p:blipFill>
+        <p:spPr>
+          <a:xfrm>
+            <a:off x="932688" y="3798058"/>
+            <a:ext cx="6537959" cy="1626774"/>
+          </a:xfrm>
+          <a:prstGeom prst="rect">
+            <a:avLst/>
+          </a:prstGeom>
+        </p:spPr>
+      </p:pic>
+      <p:sp>
+        <p:nvSpPr>
+          <p:cNvPr id="2" name="CaixaDeTexto 1">
+            <a:extLst>
+              <a:ext uri="{FF2B5EF4-FFF2-40B4-BE49-F238E27FC236}">
+                <a16:creationId xmlns:a16="http://schemas.microsoft.com/office/drawing/2014/main" id="{8ADC955C-B262-3BDC-4255-257827681B73}"/>
+              </a:ext>
+            </a:extLst>
+          </p:cNvPr>
+          <p:cNvSpPr txBox="1"/>
+          <p:nvPr/>
+        </p:nvSpPr>
+        <p:spPr>
+          <a:xfrm rot="16200000">
+            <a:off x="-344356" y="2168353"/>
+            <a:ext cx="1826141" cy="369332"/>
+          </a:xfrm>
+          <a:prstGeom prst="rect">
+            <a:avLst/>
+          </a:prstGeom>
+          <a:noFill/>
+        </p:spPr>
+        <p:txBody>
+          <a:bodyPr wrap="none" rtlCol="0">
+            <a:spAutoFit/>
+          </a:bodyPr>
+          <a:lstStyle/>
+          <a:p>
+            <a:pPr algn="ctr"/>
+            <a:r>
+              <a:rPr lang="pt-BR" dirty="0" err="1">
+                <a:latin typeface="Arial Black" panose="020B0A04020102020204" pitchFamily="34" charset="0"/>
+                <a:cs typeface="Arial" panose="020B0604020202020204" pitchFamily="34" charset="0"/>
+              </a:rPr>
+              <a:t>under</a:t>
+            </a:r>
+            <a:r>
+              <a:rPr lang="pt-BR" dirty="0" err="1">
+                <a:latin typeface="Arial" panose="020B0604020202020204" pitchFamily="34" charset="0"/>
+                <a:cs typeface="Arial" panose="020B0604020202020204" pitchFamily="34" charset="0"/>
+              </a:rPr>
+              <a:t>sampling</a:t>
+            </a:r>
+            <a:endParaRPr lang="pt-BR" b="0" dirty="0">
+              <a:solidFill>
+                <a:srgbClr val="000000"/>
+              </a:solidFill>
+              <a:effectLst/>
+              <a:latin typeface="Arial" panose="020B0604020202020204" pitchFamily="34" charset="0"/>
+              <a:cs typeface="Arial" panose="020B0604020202020204" pitchFamily="34" charset="0"/>
+            </a:endParaRPr>
+          </a:p>
+        </p:txBody>
+      </p:sp>
+      <p:sp>
+        <p:nvSpPr>
+          <p:cNvPr id="3" name="CaixaDeTexto 2">
+            <a:extLst>
+              <a:ext uri="{FF2B5EF4-FFF2-40B4-BE49-F238E27FC236}">
+                <a16:creationId xmlns:a16="http://schemas.microsoft.com/office/drawing/2014/main" id="{60AB4357-3528-7BF9-1966-FE47AAA9F056}"/>
+              </a:ext>
+            </a:extLst>
+          </p:cNvPr>
+          <p:cNvSpPr txBox="1"/>
+          <p:nvPr/>
+        </p:nvSpPr>
+        <p:spPr>
+          <a:xfrm rot="16200000">
+            <a:off x="-254075" y="4454038"/>
+            <a:ext cx="1645579" cy="369332"/>
+          </a:xfrm>
+          <a:prstGeom prst="rect">
+            <a:avLst/>
+          </a:prstGeom>
+          <a:noFill/>
+        </p:spPr>
+        <p:txBody>
+          <a:bodyPr wrap="none" rtlCol="0">
+            <a:spAutoFit/>
+          </a:bodyPr>
+          <a:lstStyle/>
+          <a:p>
+            <a:pPr algn="ctr"/>
+            <a:r>
+              <a:rPr lang="pt-BR" dirty="0" err="1">
+                <a:latin typeface="Arial Black" panose="020B0A04020102020204" pitchFamily="34" charset="0"/>
+                <a:cs typeface="Arial" panose="020B0604020202020204" pitchFamily="34" charset="0"/>
+              </a:rPr>
+              <a:t>over</a:t>
+            </a:r>
+            <a:r>
+              <a:rPr lang="pt-BR" dirty="0" err="1">
+                <a:latin typeface="Arial" panose="020B0604020202020204" pitchFamily="34" charset="0"/>
+                <a:cs typeface="Arial" panose="020B0604020202020204" pitchFamily="34" charset="0"/>
+              </a:rPr>
+              <a:t>sampling</a:t>
+            </a:r>
+            <a:endParaRPr lang="pt-BR" b="0" dirty="0">
+              <a:solidFill>
+                <a:srgbClr val="000000"/>
+              </a:solidFill>
+              <a:effectLst/>
+              <a:latin typeface="Arial" panose="020B0604020202020204" pitchFamily="34" charset="0"/>
+              <a:cs typeface="Arial" panose="020B0604020202020204" pitchFamily="34" charset="0"/>
+            </a:endParaRPr>
+          </a:p>
+        </p:txBody>
+      </p:sp>
+      <p:cxnSp>
+        <p:nvCxnSpPr>
+          <p:cNvPr id="6" name="Conector reto 5">
+            <a:extLst>
+              <a:ext uri="{FF2B5EF4-FFF2-40B4-BE49-F238E27FC236}">
+                <a16:creationId xmlns:a16="http://schemas.microsoft.com/office/drawing/2014/main" id="{2083479C-0762-A26C-5544-FD341D3A1441}"/>
+              </a:ext>
+            </a:extLst>
+          </p:cNvPr>
+          <p:cNvCxnSpPr>
+            <a:cxnSpLocks/>
+          </p:cNvCxnSpPr>
+          <p:nvPr/>
+        </p:nvCxnSpPr>
+        <p:spPr>
+          <a:xfrm>
+            <a:off x="7287769" y="1377324"/>
+            <a:ext cx="0" cy="4084170"/>
+          </a:xfrm>
+          <a:prstGeom prst="line">
+            <a:avLst/>
+          </a:prstGeom>
+          <a:ln w="38100">
+            <a:solidFill>
+              <a:srgbClr val="FF0000"/>
+            </a:solidFill>
+          </a:ln>
+        </p:spPr>
+        <p:style>
+          <a:lnRef idx="1">
+            <a:schemeClr val="accent1"/>
+          </a:lnRef>
+          <a:fillRef idx="0">
+            <a:schemeClr val="accent1"/>
+          </a:fillRef>
+          <a:effectRef idx="0">
+            <a:schemeClr val="accent1"/>
+          </a:effectRef>
+          <a:fontRef idx="minor">
+            <a:schemeClr val="tx1"/>
+          </a:fontRef>
+        </p:style>
+      </p:cxnSp>
+      <p:sp>
+        <p:nvSpPr>
+          <p:cNvPr id="14" name="CaixaDeTexto 13">
+            <a:extLst>
+              <a:ext uri="{FF2B5EF4-FFF2-40B4-BE49-F238E27FC236}">
+                <a16:creationId xmlns:a16="http://schemas.microsoft.com/office/drawing/2014/main" id="{A1E7AE1E-5347-C3FC-D593-AF97286BA3E2}"/>
+              </a:ext>
+            </a:extLst>
+          </p:cNvPr>
+          <p:cNvSpPr txBox="1"/>
+          <p:nvPr/>
+        </p:nvSpPr>
+        <p:spPr>
+          <a:xfrm>
+            <a:off x="2421678" y="910974"/>
+            <a:ext cx="3898311" cy="369332"/>
+          </a:xfrm>
+          <a:prstGeom prst="rect">
+            <a:avLst/>
+          </a:prstGeom>
+          <a:noFill/>
+        </p:spPr>
+        <p:txBody>
+          <a:bodyPr wrap="none" rtlCol="0">
+            <a:spAutoFit/>
+          </a:bodyPr>
+          <a:lstStyle/>
+          <a:p>
+            <a:pPr algn="ctr"/>
+            <a:r>
+              <a:rPr lang="pt-BR" dirty="0" err="1">
+                <a:latin typeface="Arial Black" panose="020B0A04020102020204" pitchFamily="34" charset="0"/>
+                <a:cs typeface="Arial" panose="020B0604020202020204" pitchFamily="34" charset="0"/>
+              </a:rPr>
+              <a:t>kfold</a:t>
+            </a:r>
+            <a:r>
+              <a:rPr lang="pt-BR" dirty="0">
+                <a:latin typeface="Arial Black" panose="020B0A04020102020204" pitchFamily="34" charset="0"/>
+                <a:cs typeface="Arial" panose="020B0604020202020204" pitchFamily="34" charset="0"/>
+              </a:rPr>
+              <a:t> </a:t>
+            </a:r>
+            <a:r>
+              <a:rPr lang="pt-BR" dirty="0">
+                <a:latin typeface="Arial" panose="020B0604020202020204" pitchFamily="34" charset="0"/>
+                <a:cs typeface="Arial" panose="020B0604020202020204" pitchFamily="34" charset="0"/>
+              </a:rPr>
+              <a:t>c/ </a:t>
+            </a:r>
+            <a:r>
+              <a:rPr lang="pt-BR" dirty="0" err="1">
+                <a:latin typeface="Arial" panose="020B0604020202020204" pitchFamily="34" charset="0"/>
+                <a:cs typeface="Arial" panose="020B0604020202020204" pitchFamily="34" charset="0"/>
+              </a:rPr>
+              <a:t>hiperparâmetros</a:t>
+            </a:r>
+            <a:r>
+              <a:rPr lang="pt-BR" dirty="0">
+                <a:latin typeface="Arial" panose="020B0604020202020204" pitchFamily="34" charset="0"/>
+                <a:cs typeface="Arial" panose="020B0604020202020204" pitchFamily="34" charset="0"/>
+              </a:rPr>
+              <a:t> </a:t>
+            </a:r>
+            <a:r>
+              <a:rPr lang="pt-BR" dirty="0">
+                <a:latin typeface="Arial Black" panose="020B0A04020102020204" pitchFamily="34" charset="0"/>
+                <a:cs typeface="Arial" panose="020B0604020202020204" pitchFamily="34" charset="0"/>
+              </a:rPr>
+              <a:t>normais</a:t>
+            </a:r>
+            <a:endParaRPr lang="pt-BR" b="0" dirty="0">
+              <a:solidFill>
+                <a:srgbClr val="000000"/>
+              </a:solidFill>
+              <a:effectLst/>
+              <a:latin typeface="Arial Black" panose="020B0A04020102020204" pitchFamily="34" charset="0"/>
+              <a:cs typeface="Arial" panose="020B0604020202020204" pitchFamily="34" charset="0"/>
+            </a:endParaRPr>
+          </a:p>
+        </p:txBody>
+      </p:sp>
+      <p:sp>
+        <p:nvSpPr>
+          <p:cNvPr id="15" name="CaixaDeTexto 14">
+            <a:extLst>
+              <a:ext uri="{FF2B5EF4-FFF2-40B4-BE49-F238E27FC236}">
+                <a16:creationId xmlns:a16="http://schemas.microsoft.com/office/drawing/2014/main" id="{8651DD69-9404-A05C-3C41-3B22B778C51D}"/>
+              </a:ext>
+            </a:extLst>
+          </p:cNvPr>
+          <p:cNvSpPr txBox="1"/>
+          <p:nvPr/>
+        </p:nvSpPr>
+        <p:spPr>
+          <a:xfrm>
+            <a:off x="7616727" y="936882"/>
+            <a:ext cx="4057265" cy="369332"/>
+          </a:xfrm>
+          <a:prstGeom prst="rect">
+            <a:avLst/>
+          </a:prstGeom>
+          <a:noFill/>
+        </p:spPr>
+        <p:txBody>
+          <a:bodyPr wrap="none" rtlCol="0">
+            <a:spAutoFit/>
+          </a:bodyPr>
+          <a:lstStyle/>
+          <a:p>
+            <a:pPr algn="ctr"/>
+            <a:r>
+              <a:rPr lang="pt-BR" dirty="0" err="1">
+                <a:latin typeface="Arial Black" panose="020B0A04020102020204" pitchFamily="34" charset="0"/>
+                <a:cs typeface="Arial" panose="020B0604020202020204" pitchFamily="34" charset="0"/>
+              </a:rPr>
+              <a:t>kfold</a:t>
+            </a:r>
+            <a:r>
+              <a:rPr lang="pt-BR" dirty="0">
+                <a:latin typeface="Arial Black" panose="020B0A04020102020204" pitchFamily="34" charset="0"/>
+                <a:cs typeface="Arial" panose="020B0604020202020204" pitchFamily="34" charset="0"/>
+              </a:rPr>
+              <a:t> </a:t>
+            </a:r>
+            <a:r>
+              <a:rPr lang="pt-BR" dirty="0">
+                <a:latin typeface="Arial" panose="020B0604020202020204" pitchFamily="34" charset="0"/>
+                <a:cs typeface="Arial" panose="020B0604020202020204" pitchFamily="34" charset="0"/>
+              </a:rPr>
+              <a:t>c/</a:t>
+            </a:r>
+            <a:r>
+              <a:rPr lang="pt-BR" dirty="0">
+                <a:latin typeface="Arial Black" panose="020B0A04020102020204" pitchFamily="34" charset="0"/>
+                <a:cs typeface="Arial" panose="020B0604020202020204" pitchFamily="34" charset="0"/>
+              </a:rPr>
+              <a:t> melhores</a:t>
+            </a:r>
+            <a:r>
+              <a:rPr lang="pt-BR" dirty="0">
+                <a:latin typeface="Arial" panose="020B0604020202020204" pitchFamily="34" charset="0"/>
+                <a:cs typeface="Arial" panose="020B0604020202020204" pitchFamily="34" charset="0"/>
+              </a:rPr>
+              <a:t> </a:t>
+            </a:r>
+            <a:r>
+              <a:rPr lang="pt-BR" dirty="0" err="1">
+                <a:latin typeface="Arial" panose="020B0604020202020204" pitchFamily="34" charset="0"/>
+                <a:cs typeface="Arial" panose="020B0604020202020204" pitchFamily="34" charset="0"/>
+              </a:rPr>
+              <a:t>hiperparâmetros</a:t>
+            </a:r>
+            <a:endParaRPr lang="pt-BR" b="0" dirty="0">
+              <a:solidFill>
+                <a:srgbClr val="000000"/>
+              </a:solidFill>
+              <a:effectLst/>
+              <a:latin typeface="Arial Black" panose="020B0A04020102020204" pitchFamily="34" charset="0"/>
+              <a:cs typeface="Arial" panose="020B0604020202020204" pitchFamily="34" charset="0"/>
+            </a:endParaRPr>
+          </a:p>
+        </p:txBody>
+      </p:sp>
+      <p:sp>
+        <p:nvSpPr>
+          <p:cNvPr id="16" name="Retângulo 15">
+            <a:extLst>
+              <a:ext uri="{FF2B5EF4-FFF2-40B4-BE49-F238E27FC236}">
+                <a16:creationId xmlns:a16="http://schemas.microsoft.com/office/drawing/2014/main" id="{C5E5EFA9-CA27-757C-EED0-9707CCCC9001}"/>
+              </a:ext>
+            </a:extLst>
+          </p:cNvPr>
+          <p:cNvSpPr/>
+          <p:nvPr/>
+        </p:nvSpPr>
+        <p:spPr>
+          <a:xfrm>
+            <a:off x="5295861" y="1518272"/>
+            <a:ext cx="958633" cy="1592276"/>
+          </a:xfrm>
+          <a:prstGeom prst="rect">
+            <a:avLst/>
+          </a:prstGeom>
+          <a:noFill/>
+          <a:ln w="19050">
+            <a:solidFill>
+              <a:srgbClr val="FF0000"/>
+            </a:solidFill>
+          </a:ln>
+        </p:spPr>
+        <p:style>
+          <a:lnRef idx="2">
+            <a:schemeClr val="accent1">
+              <a:shade val="15000"/>
+            </a:schemeClr>
+          </a:lnRef>
+          <a:fillRef idx="1">
+            <a:schemeClr val="accent1"/>
+          </a:fillRef>
+          <a:effectRef idx="0">
+            <a:schemeClr val="accent1"/>
+          </a:effectRef>
+          <a:fontRef idx="minor">
+            <a:schemeClr val="lt1"/>
+          </a:fontRef>
+        </p:style>
+        <p:txBody>
+          <a:bodyPr rtlCol="0" anchor="ctr"/>
+          <a:lstStyle/>
+          <a:p>
+            <a:pPr algn="ctr"/>
+            <a:endParaRPr lang="pt-BR"/>
+          </a:p>
+        </p:txBody>
+      </p:sp>
+      <p:sp>
+        <p:nvSpPr>
+          <p:cNvPr id="17" name="Retângulo 16">
+            <a:extLst>
+              <a:ext uri="{FF2B5EF4-FFF2-40B4-BE49-F238E27FC236}">
+                <a16:creationId xmlns:a16="http://schemas.microsoft.com/office/drawing/2014/main" id="{55E08CDF-B999-4B75-7BE0-F2CCB9987DC7}"/>
+              </a:ext>
+            </a:extLst>
+          </p:cNvPr>
+          <p:cNvSpPr/>
+          <p:nvPr/>
+        </p:nvSpPr>
+        <p:spPr>
+          <a:xfrm>
+            <a:off x="9425901" y="1516544"/>
+            <a:ext cx="958633" cy="1592276"/>
+          </a:xfrm>
+          <a:prstGeom prst="rect">
+            <a:avLst/>
+          </a:prstGeom>
+          <a:noFill/>
+          <a:ln w="19050">
+            <a:solidFill>
+              <a:srgbClr val="FF0000"/>
+            </a:solidFill>
+          </a:ln>
+        </p:spPr>
+        <p:style>
+          <a:lnRef idx="2">
+            <a:schemeClr val="accent1">
+              <a:shade val="15000"/>
+            </a:schemeClr>
+          </a:lnRef>
+          <a:fillRef idx="1">
+            <a:schemeClr val="accent1"/>
+          </a:fillRef>
+          <a:effectRef idx="0">
+            <a:schemeClr val="accent1"/>
+          </a:effectRef>
+          <a:fontRef idx="minor">
+            <a:schemeClr val="lt1"/>
+          </a:fontRef>
+        </p:style>
+        <p:txBody>
+          <a:bodyPr rtlCol="0" anchor="ctr"/>
+          <a:lstStyle/>
+          <a:p>
+            <a:pPr algn="ctr"/>
+            <a:endParaRPr lang="pt-BR"/>
+          </a:p>
+        </p:txBody>
+      </p:sp>
     </p:spTree>
     <p:extLst>
       <p:ext uri="{BB962C8B-B14F-4D97-AF65-F5344CB8AC3E}">
         <p14:creationId xmlns:p14="http://schemas.microsoft.com/office/powerpoint/2010/main" val="2987033431"/>
+      </p:ext>
+    </p:extLst>
+  </p:cSld>
+  <p:clrMapOvr>
+    <a:masterClrMapping/>
+  </p:clrMapOvr>
+</p:sld>
+</file>
+
+<file path=ppt/slides/slide25.xml><?xml version="1.0" encoding="utf-8"?>
+<p:sld xmlns:a="http://schemas.openxmlformats.org/drawingml/2006/main" xmlns:r="http://schemas.openxmlformats.org/officeDocument/2006/relationships" xmlns:p="http://schemas.openxmlformats.org/presentationml/2006/main">
+  <p:cSld>
+    <p:spTree>
+      <p:nvGrpSpPr>
+        <p:cNvPr id="1" name=""/>
+        <p:cNvGrpSpPr/>
+        <p:nvPr/>
+      </p:nvGrpSpPr>
+      <p:grpSpPr>
+        <a:xfrm>
+          <a:off x="0" y="0"/>
+          <a:ext cx="0" cy="0"/>
+          <a:chOff x="0" y="0"/>
+          <a:chExt cx="0" cy="0"/>
+        </a:xfrm>
+      </p:grpSpPr>
+      <p:pic>
+        <p:nvPicPr>
+          <p:cNvPr id="11" name="Imagem 10">
+            <a:extLst>
+              <a:ext uri="{FF2B5EF4-FFF2-40B4-BE49-F238E27FC236}">
+                <a16:creationId xmlns:a16="http://schemas.microsoft.com/office/drawing/2014/main" id="{5E44F228-E0B7-542B-328A-D2D4ABF15ED4}"/>
+              </a:ext>
+            </a:extLst>
+          </p:cNvPr>
+          <p:cNvPicPr>
+            <a:picLocks noChangeAspect="1"/>
+          </p:cNvPicPr>
+          <p:nvPr/>
+        </p:nvPicPr>
+        <p:blipFill>
+          <a:blip r:embed="rId2"/>
+          <a:stretch>
+            <a:fillRect/>
+          </a:stretch>
+        </p:blipFill>
+        <p:spPr>
+          <a:xfrm>
+            <a:off x="7425642" y="3815109"/>
+            <a:ext cx="3949492" cy="1481060"/>
+          </a:xfrm>
+          <a:prstGeom prst="rect">
+            <a:avLst/>
+          </a:prstGeom>
+        </p:spPr>
+      </p:pic>
+      <p:pic>
+        <p:nvPicPr>
+          <p:cNvPr id="13" name="Imagem 12">
+            <a:extLst>
+              <a:ext uri="{FF2B5EF4-FFF2-40B4-BE49-F238E27FC236}">
+                <a16:creationId xmlns:a16="http://schemas.microsoft.com/office/drawing/2014/main" id="{F3EB5032-9699-AB76-41DC-57A282D831C0}"/>
+              </a:ext>
+            </a:extLst>
+          </p:cNvPr>
+          <p:cNvPicPr>
+            <a:picLocks noChangeAspect="1"/>
+          </p:cNvPicPr>
+          <p:nvPr/>
+        </p:nvPicPr>
+        <p:blipFill>
+          <a:blip r:embed="rId3"/>
+          <a:stretch>
+            <a:fillRect/>
+          </a:stretch>
+        </p:blipFill>
+        <p:spPr>
+          <a:xfrm>
+            <a:off x="7379563" y="1561831"/>
+            <a:ext cx="4041649" cy="1526163"/>
+          </a:xfrm>
+          <a:prstGeom prst="rect">
+            <a:avLst/>
+          </a:prstGeom>
+        </p:spPr>
+      </p:pic>
+      <p:pic>
+        <p:nvPicPr>
+          <p:cNvPr id="5" name="Imagem 4">
+            <a:extLst>
+              <a:ext uri="{FF2B5EF4-FFF2-40B4-BE49-F238E27FC236}">
+                <a16:creationId xmlns:a16="http://schemas.microsoft.com/office/drawing/2014/main" id="{B791ECF4-5881-9183-2F83-B805D9A01BF6}"/>
+              </a:ext>
+            </a:extLst>
+          </p:cNvPr>
+          <p:cNvPicPr>
+            <a:picLocks noChangeAspect="1"/>
+          </p:cNvPicPr>
+          <p:nvPr/>
+        </p:nvPicPr>
+        <p:blipFill rotWithShape="1">
+          <a:blip r:embed="rId4"/>
+          <a:srcRect l="6418" t="4595"/>
+          <a:stretch/>
+        </p:blipFill>
+        <p:spPr>
+          <a:xfrm>
+            <a:off x="1043302" y="1561831"/>
+            <a:ext cx="6382340" cy="1608572"/>
+          </a:xfrm>
+          <a:prstGeom prst="rect">
+            <a:avLst/>
+          </a:prstGeom>
+        </p:spPr>
+      </p:pic>
+      <p:pic>
+        <p:nvPicPr>
+          <p:cNvPr id="10" name="Imagem 9">
+            <a:extLst>
+              <a:ext uri="{FF2B5EF4-FFF2-40B4-BE49-F238E27FC236}">
+                <a16:creationId xmlns:a16="http://schemas.microsoft.com/office/drawing/2014/main" id="{5C01FA01-CA95-E7DD-4C23-EC9786832D40}"/>
+              </a:ext>
+            </a:extLst>
+          </p:cNvPr>
+          <p:cNvPicPr>
+            <a:picLocks noChangeAspect="1"/>
+          </p:cNvPicPr>
+          <p:nvPr/>
+        </p:nvPicPr>
+        <p:blipFill rotWithShape="1">
+          <a:blip r:embed="rId5"/>
+          <a:srcRect l="4332"/>
+          <a:stretch/>
+        </p:blipFill>
+        <p:spPr>
+          <a:xfrm>
+            <a:off x="932688" y="3798058"/>
+            <a:ext cx="6537959" cy="1626774"/>
+          </a:xfrm>
+          <a:prstGeom prst="rect">
+            <a:avLst/>
+          </a:prstGeom>
+        </p:spPr>
+      </p:pic>
+      <p:sp>
+        <p:nvSpPr>
+          <p:cNvPr id="2" name="CaixaDeTexto 1">
+            <a:extLst>
+              <a:ext uri="{FF2B5EF4-FFF2-40B4-BE49-F238E27FC236}">
+                <a16:creationId xmlns:a16="http://schemas.microsoft.com/office/drawing/2014/main" id="{8ADC955C-B262-3BDC-4255-257827681B73}"/>
+              </a:ext>
+            </a:extLst>
+          </p:cNvPr>
+          <p:cNvSpPr txBox="1"/>
+          <p:nvPr/>
+        </p:nvSpPr>
+        <p:spPr>
+          <a:xfrm rot="16200000">
+            <a:off x="-344356" y="2168353"/>
+            <a:ext cx="1826141" cy="369332"/>
+          </a:xfrm>
+          <a:prstGeom prst="rect">
+            <a:avLst/>
+          </a:prstGeom>
+          <a:noFill/>
+        </p:spPr>
+        <p:txBody>
+          <a:bodyPr wrap="none" rtlCol="0">
+            <a:spAutoFit/>
+          </a:bodyPr>
+          <a:lstStyle/>
+          <a:p>
+            <a:pPr algn="ctr"/>
+            <a:r>
+              <a:rPr lang="pt-BR" dirty="0" err="1">
+                <a:latin typeface="Arial Black" panose="020B0A04020102020204" pitchFamily="34" charset="0"/>
+                <a:cs typeface="Arial" panose="020B0604020202020204" pitchFamily="34" charset="0"/>
+              </a:rPr>
+              <a:t>under</a:t>
+            </a:r>
+            <a:r>
+              <a:rPr lang="pt-BR" dirty="0" err="1">
+                <a:latin typeface="Arial" panose="020B0604020202020204" pitchFamily="34" charset="0"/>
+                <a:cs typeface="Arial" panose="020B0604020202020204" pitchFamily="34" charset="0"/>
+              </a:rPr>
+              <a:t>sampling</a:t>
+            </a:r>
+            <a:endParaRPr lang="pt-BR" b="0" dirty="0">
+              <a:solidFill>
+                <a:srgbClr val="000000"/>
+              </a:solidFill>
+              <a:effectLst/>
+              <a:latin typeface="Arial" panose="020B0604020202020204" pitchFamily="34" charset="0"/>
+              <a:cs typeface="Arial" panose="020B0604020202020204" pitchFamily="34" charset="0"/>
+            </a:endParaRPr>
+          </a:p>
+        </p:txBody>
+      </p:sp>
+      <p:sp>
+        <p:nvSpPr>
+          <p:cNvPr id="3" name="CaixaDeTexto 2">
+            <a:extLst>
+              <a:ext uri="{FF2B5EF4-FFF2-40B4-BE49-F238E27FC236}">
+                <a16:creationId xmlns:a16="http://schemas.microsoft.com/office/drawing/2014/main" id="{60AB4357-3528-7BF9-1966-FE47AAA9F056}"/>
+              </a:ext>
+            </a:extLst>
+          </p:cNvPr>
+          <p:cNvSpPr txBox="1"/>
+          <p:nvPr/>
+        </p:nvSpPr>
+        <p:spPr>
+          <a:xfrm rot="16200000">
+            <a:off x="-254075" y="4454038"/>
+            <a:ext cx="1645579" cy="369332"/>
+          </a:xfrm>
+          <a:prstGeom prst="rect">
+            <a:avLst/>
+          </a:prstGeom>
+          <a:noFill/>
+        </p:spPr>
+        <p:txBody>
+          <a:bodyPr wrap="none" rtlCol="0">
+            <a:spAutoFit/>
+          </a:bodyPr>
+          <a:lstStyle/>
+          <a:p>
+            <a:pPr algn="ctr"/>
+            <a:r>
+              <a:rPr lang="pt-BR" dirty="0" err="1">
+                <a:latin typeface="Arial Black" panose="020B0A04020102020204" pitchFamily="34" charset="0"/>
+                <a:cs typeface="Arial" panose="020B0604020202020204" pitchFamily="34" charset="0"/>
+              </a:rPr>
+              <a:t>over</a:t>
+            </a:r>
+            <a:r>
+              <a:rPr lang="pt-BR" dirty="0" err="1">
+                <a:latin typeface="Arial" panose="020B0604020202020204" pitchFamily="34" charset="0"/>
+                <a:cs typeface="Arial" panose="020B0604020202020204" pitchFamily="34" charset="0"/>
+              </a:rPr>
+              <a:t>sampling</a:t>
+            </a:r>
+            <a:endParaRPr lang="pt-BR" b="0" dirty="0">
+              <a:solidFill>
+                <a:srgbClr val="000000"/>
+              </a:solidFill>
+              <a:effectLst/>
+              <a:latin typeface="Arial" panose="020B0604020202020204" pitchFamily="34" charset="0"/>
+              <a:cs typeface="Arial" panose="020B0604020202020204" pitchFamily="34" charset="0"/>
+            </a:endParaRPr>
+          </a:p>
+        </p:txBody>
+      </p:sp>
+      <p:cxnSp>
+        <p:nvCxnSpPr>
+          <p:cNvPr id="6" name="Conector reto 5">
+            <a:extLst>
+              <a:ext uri="{FF2B5EF4-FFF2-40B4-BE49-F238E27FC236}">
+                <a16:creationId xmlns:a16="http://schemas.microsoft.com/office/drawing/2014/main" id="{2083479C-0762-A26C-5544-FD341D3A1441}"/>
+              </a:ext>
+            </a:extLst>
+          </p:cNvPr>
+          <p:cNvCxnSpPr>
+            <a:cxnSpLocks/>
+          </p:cNvCxnSpPr>
+          <p:nvPr/>
+        </p:nvCxnSpPr>
+        <p:spPr>
+          <a:xfrm>
+            <a:off x="7287769" y="1377324"/>
+            <a:ext cx="0" cy="4084170"/>
+          </a:xfrm>
+          <a:prstGeom prst="line">
+            <a:avLst/>
+          </a:prstGeom>
+          <a:ln w="38100">
+            <a:solidFill>
+              <a:srgbClr val="FF0000"/>
+            </a:solidFill>
+          </a:ln>
+        </p:spPr>
+        <p:style>
+          <a:lnRef idx="1">
+            <a:schemeClr val="accent1"/>
+          </a:lnRef>
+          <a:fillRef idx="0">
+            <a:schemeClr val="accent1"/>
+          </a:fillRef>
+          <a:effectRef idx="0">
+            <a:schemeClr val="accent1"/>
+          </a:effectRef>
+          <a:fontRef idx="minor">
+            <a:schemeClr val="tx1"/>
+          </a:fontRef>
+        </p:style>
+      </p:cxnSp>
+      <p:sp>
+        <p:nvSpPr>
+          <p:cNvPr id="14" name="CaixaDeTexto 13">
+            <a:extLst>
+              <a:ext uri="{FF2B5EF4-FFF2-40B4-BE49-F238E27FC236}">
+                <a16:creationId xmlns:a16="http://schemas.microsoft.com/office/drawing/2014/main" id="{A1E7AE1E-5347-C3FC-D593-AF97286BA3E2}"/>
+              </a:ext>
+            </a:extLst>
+          </p:cNvPr>
+          <p:cNvSpPr txBox="1"/>
+          <p:nvPr/>
+        </p:nvSpPr>
+        <p:spPr>
+          <a:xfrm>
+            <a:off x="2421678" y="910974"/>
+            <a:ext cx="3898311" cy="369332"/>
+          </a:xfrm>
+          <a:prstGeom prst="rect">
+            <a:avLst/>
+          </a:prstGeom>
+          <a:noFill/>
+        </p:spPr>
+        <p:txBody>
+          <a:bodyPr wrap="none" rtlCol="0">
+            <a:spAutoFit/>
+          </a:bodyPr>
+          <a:lstStyle/>
+          <a:p>
+            <a:pPr algn="ctr"/>
+            <a:r>
+              <a:rPr lang="pt-BR" dirty="0" err="1">
+                <a:latin typeface="Arial Black" panose="020B0A04020102020204" pitchFamily="34" charset="0"/>
+                <a:cs typeface="Arial" panose="020B0604020202020204" pitchFamily="34" charset="0"/>
+              </a:rPr>
+              <a:t>kfold</a:t>
+            </a:r>
+            <a:r>
+              <a:rPr lang="pt-BR" dirty="0">
+                <a:latin typeface="Arial Black" panose="020B0A04020102020204" pitchFamily="34" charset="0"/>
+                <a:cs typeface="Arial" panose="020B0604020202020204" pitchFamily="34" charset="0"/>
+              </a:rPr>
+              <a:t> </a:t>
+            </a:r>
+            <a:r>
+              <a:rPr lang="pt-BR" dirty="0">
+                <a:latin typeface="Arial" panose="020B0604020202020204" pitchFamily="34" charset="0"/>
+                <a:cs typeface="Arial" panose="020B0604020202020204" pitchFamily="34" charset="0"/>
+              </a:rPr>
+              <a:t>c/ </a:t>
+            </a:r>
+            <a:r>
+              <a:rPr lang="pt-BR" dirty="0" err="1">
+                <a:latin typeface="Arial" panose="020B0604020202020204" pitchFamily="34" charset="0"/>
+                <a:cs typeface="Arial" panose="020B0604020202020204" pitchFamily="34" charset="0"/>
+              </a:rPr>
+              <a:t>hiperparâmetros</a:t>
+            </a:r>
+            <a:r>
+              <a:rPr lang="pt-BR" dirty="0">
+                <a:latin typeface="Arial" panose="020B0604020202020204" pitchFamily="34" charset="0"/>
+                <a:cs typeface="Arial" panose="020B0604020202020204" pitchFamily="34" charset="0"/>
+              </a:rPr>
+              <a:t> </a:t>
+            </a:r>
+            <a:r>
+              <a:rPr lang="pt-BR" dirty="0">
+                <a:latin typeface="Arial Black" panose="020B0A04020102020204" pitchFamily="34" charset="0"/>
+                <a:cs typeface="Arial" panose="020B0604020202020204" pitchFamily="34" charset="0"/>
+              </a:rPr>
+              <a:t>normais</a:t>
+            </a:r>
+            <a:endParaRPr lang="pt-BR" b="0" dirty="0">
+              <a:solidFill>
+                <a:srgbClr val="000000"/>
+              </a:solidFill>
+              <a:effectLst/>
+              <a:latin typeface="Arial Black" panose="020B0A04020102020204" pitchFamily="34" charset="0"/>
+              <a:cs typeface="Arial" panose="020B0604020202020204" pitchFamily="34" charset="0"/>
+            </a:endParaRPr>
+          </a:p>
+        </p:txBody>
+      </p:sp>
+      <p:sp>
+        <p:nvSpPr>
+          <p:cNvPr id="15" name="CaixaDeTexto 14">
+            <a:extLst>
+              <a:ext uri="{FF2B5EF4-FFF2-40B4-BE49-F238E27FC236}">
+                <a16:creationId xmlns:a16="http://schemas.microsoft.com/office/drawing/2014/main" id="{8651DD69-9404-A05C-3C41-3B22B778C51D}"/>
+              </a:ext>
+            </a:extLst>
+          </p:cNvPr>
+          <p:cNvSpPr txBox="1"/>
+          <p:nvPr/>
+        </p:nvSpPr>
+        <p:spPr>
+          <a:xfrm>
+            <a:off x="7616727" y="936882"/>
+            <a:ext cx="4057265" cy="369332"/>
+          </a:xfrm>
+          <a:prstGeom prst="rect">
+            <a:avLst/>
+          </a:prstGeom>
+          <a:noFill/>
+        </p:spPr>
+        <p:txBody>
+          <a:bodyPr wrap="none" rtlCol="0">
+            <a:spAutoFit/>
+          </a:bodyPr>
+          <a:lstStyle/>
+          <a:p>
+            <a:pPr algn="ctr"/>
+            <a:r>
+              <a:rPr lang="pt-BR" dirty="0" err="1">
+                <a:latin typeface="Arial Black" panose="020B0A04020102020204" pitchFamily="34" charset="0"/>
+                <a:cs typeface="Arial" panose="020B0604020202020204" pitchFamily="34" charset="0"/>
+              </a:rPr>
+              <a:t>kfold</a:t>
+            </a:r>
+            <a:r>
+              <a:rPr lang="pt-BR" dirty="0">
+                <a:latin typeface="Arial Black" panose="020B0A04020102020204" pitchFamily="34" charset="0"/>
+                <a:cs typeface="Arial" panose="020B0604020202020204" pitchFamily="34" charset="0"/>
+              </a:rPr>
+              <a:t> </a:t>
+            </a:r>
+            <a:r>
+              <a:rPr lang="pt-BR" dirty="0">
+                <a:latin typeface="Arial" panose="020B0604020202020204" pitchFamily="34" charset="0"/>
+                <a:cs typeface="Arial" panose="020B0604020202020204" pitchFamily="34" charset="0"/>
+              </a:rPr>
+              <a:t>c/</a:t>
+            </a:r>
+            <a:r>
+              <a:rPr lang="pt-BR" dirty="0">
+                <a:latin typeface="Arial Black" panose="020B0A04020102020204" pitchFamily="34" charset="0"/>
+                <a:cs typeface="Arial" panose="020B0604020202020204" pitchFamily="34" charset="0"/>
+              </a:rPr>
+              <a:t> melhores</a:t>
+            </a:r>
+            <a:r>
+              <a:rPr lang="pt-BR" dirty="0">
+                <a:latin typeface="Arial" panose="020B0604020202020204" pitchFamily="34" charset="0"/>
+                <a:cs typeface="Arial" panose="020B0604020202020204" pitchFamily="34" charset="0"/>
+              </a:rPr>
+              <a:t> </a:t>
+            </a:r>
+            <a:r>
+              <a:rPr lang="pt-BR" dirty="0" err="1">
+                <a:latin typeface="Arial" panose="020B0604020202020204" pitchFamily="34" charset="0"/>
+                <a:cs typeface="Arial" panose="020B0604020202020204" pitchFamily="34" charset="0"/>
+              </a:rPr>
+              <a:t>hiperparâmetros</a:t>
+            </a:r>
+            <a:endParaRPr lang="pt-BR" b="0" dirty="0">
+              <a:solidFill>
+                <a:srgbClr val="000000"/>
+              </a:solidFill>
+              <a:effectLst/>
+              <a:latin typeface="Arial Black" panose="020B0A04020102020204" pitchFamily="34" charset="0"/>
+              <a:cs typeface="Arial" panose="020B0604020202020204" pitchFamily="34" charset="0"/>
+            </a:endParaRPr>
+          </a:p>
+        </p:txBody>
+      </p:sp>
+      <p:sp>
+        <p:nvSpPr>
+          <p:cNvPr id="16" name="Retângulo 15">
+            <a:extLst>
+              <a:ext uri="{FF2B5EF4-FFF2-40B4-BE49-F238E27FC236}">
+                <a16:creationId xmlns:a16="http://schemas.microsoft.com/office/drawing/2014/main" id="{C5E5EFA9-CA27-757C-EED0-9707CCCC9001}"/>
+              </a:ext>
+            </a:extLst>
+          </p:cNvPr>
+          <p:cNvSpPr/>
+          <p:nvPr/>
+        </p:nvSpPr>
+        <p:spPr>
+          <a:xfrm>
+            <a:off x="5295861" y="3785984"/>
+            <a:ext cx="958633" cy="1592276"/>
+          </a:xfrm>
+          <a:prstGeom prst="rect">
+            <a:avLst/>
+          </a:prstGeom>
+          <a:noFill/>
+          <a:ln w="19050">
+            <a:solidFill>
+              <a:srgbClr val="FF0000"/>
+            </a:solidFill>
+          </a:ln>
+        </p:spPr>
+        <p:style>
+          <a:lnRef idx="2">
+            <a:schemeClr val="accent1">
+              <a:shade val="15000"/>
+            </a:schemeClr>
+          </a:lnRef>
+          <a:fillRef idx="1">
+            <a:schemeClr val="accent1"/>
+          </a:fillRef>
+          <a:effectRef idx="0">
+            <a:schemeClr val="accent1"/>
+          </a:effectRef>
+          <a:fontRef idx="minor">
+            <a:schemeClr val="lt1"/>
+          </a:fontRef>
+        </p:style>
+        <p:txBody>
+          <a:bodyPr rtlCol="0" anchor="ctr"/>
+          <a:lstStyle/>
+          <a:p>
+            <a:pPr algn="ctr"/>
+            <a:endParaRPr lang="pt-BR"/>
+          </a:p>
+        </p:txBody>
+      </p:sp>
+      <p:sp>
+        <p:nvSpPr>
+          <p:cNvPr id="17" name="Retângulo 16">
+            <a:extLst>
+              <a:ext uri="{FF2B5EF4-FFF2-40B4-BE49-F238E27FC236}">
+                <a16:creationId xmlns:a16="http://schemas.microsoft.com/office/drawing/2014/main" id="{55E08CDF-B999-4B75-7BE0-F2CCB9987DC7}"/>
+              </a:ext>
+            </a:extLst>
+          </p:cNvPr>
+          <p:cNvSpPr/>
+          <p:nvPr/>
+        </p:nvSpPr>
+        <p:spPr>
+          <a:xfrm>
+            <a:off x="9425901" y="3784256"/>
+            <a:ext cx="958633" cy="1592276"/>
+          </a:xfrm>
+          <a:prstGeom prst="rect">
+            <a:avLst/>
+          </a:prstGeom>
+          <a:noFill/>
+          <a:ln w="19050">
+            <a:solidFill>
+              <a:srgbClr val="FF0000"/>
+            </a:solidFill>
+          </a:ln>
+        </p:spPr>
+        <p:style>
+          <a:lnRef idx="2">
+            <a:schemeClr val="accent1">
+              <a:shade val="15000"/>
+            </a:schemeClr>
+          </a:lnRef>
+          <a:fillRef idx="1">
+            <a:schemeClr val="accent1"/>
+          </a:fillRef>
+          <a:effectRef idx="0">
+            <a:schemeClr val="accent1"/>
+          </a:effectRef>
+          <a:fontRef idx="minor">
+            <a:schemeClr val="lt1"/>
+          </a:fontRef>
+        </p:style>
+        <p:txBody>
+          <a:bodyPr rtlCol="0" anchor="ctr"/>
+          <a:lstStyle/>
+          <a:p>
+            <a:pPr algn="ctr"/>
+            <a:endParaRPr lang="pt-BR"/>
+          </a:p>
+        </p:txBody>
+      </p:sp>
+    </p:spTree>
+    <p:extLst>
+      <p:ext uri="{BB962C8B-B14F-4D97-AF65-F5344CB8AC3E}">
+        <p14:creationId xmlns:p14="http://schemas.microsoft.com/office/powerpoint/2010/main" val="3764179219"/>
+      </p:ext>
+    </p:extLst>
+  </p:cSld>
+  <p:clrMapOvr>
+    <a:masterClrMapping/>
+  </p:clrMapOvr>
+</p:sld>
+</file>
+
+<file path=ppt/slides/slide26.xml><?xml version="1.0" encoding="utf-8"?>
+<p:sld xmlns:a="http://schemas.openxmlformats.org/drawingml/2006/main" xmlns:r="http://schemas.openxmlformats.org/officeDocument/2006/relationships" xmlns:p="http://schemas.openxmlformats.org/presentationml/2006/main">
+  <p:cSld>
+    <p:spTree>
+      <p:nvGrpSpPr>
+        <p:cNvPr id="1" name=""/>
+        <p:cNvGrpSpPr/>
+        <p:nvPr/>
+      </p:nvGrpSpPr>
+      <p:grpSpPr>
+        <a:xfrm>
+          <a:off x="0" y="0"/>
+          <a:ext cx="0" cy="0"/>
+          <a:chOff x="0" y="0"/>
+          <a:chExt cx="0" cy="0"/>
+        </a:xfrm>
+      </p:grpSpPr>
+      <p:sp>
+        <p:nvSpPr>
+          <p:cNvPr id="2" name="CaixaDeTexto 1">
+            <a:extLst>
+              <a:ext uri="{FF2B5EF4-FFF2-40B4-BE49-F238E27FC236}">
+                <a16:creationId xmlns:a16="http://schemas.microsoft.com/office/drawing/2014/main" id="{E03CBBAD-6A52-3262-11B8-9702B3B9EA21}"/>
+              </a:ext>
+            </a:extLst>
+          </p:cNvPr>
+          <p:cNvSpPr txBox="1"/>
+          <p:nvPr/>
+        </p:nvSpPr>
+        <p:spPr>
+          <a:xfrm>
+            <a:off x="4147197" y="2767280"/>
+            <a:ext cx="3897605" cy="1323439"/>
+          </a:xfrm>
+          <a:prstGeom prst="rect">
+            <a:avLst/>
+          </a:prstGeom>
+          <a:noFill/>
+        </p:spPr>
+        <p:txBody>
+          <a:bodyPr wrap="none" rtlCol="0">
+            <a:spAutoFit/>
+          </a:bodyPr>
+          <a:lstStyle/>
+          <a:p>
+            <a:pPr algn="ctr"/>
+            <a:r>
+              <a:rPr lang="pt-BR" sz="4000" dirty="0">
+                <a:latin typeface="Arial" panose="020B0604020202020204" pitchFamily="34" charset="0"/>
+                <a:cs typeface="Arial" panose="020B0604020202020204" pitchFamily="34" charset="0"/>
+              </a:rPr>
+              <a:t>LIÇÕES</a:t>
+            </a:r>
+          </a:p>
+          <a:p>
+            <a:pPr algn="ctr"/>
+            <a:r>
+              <a:rPr lang="pt-BR" sz="4000" dirty="0">
+                <a:latin typeface="Arial Black" panose="020B0A04020102020204" pitchFamily="34" charset="0"/>
+              </a:rPr>
+              <a:t>APRENDIDAS</a:t>
+            </a:r>
+          </a:p>
+        </p:txBody>
+      </p:sp>
+    </p:spTree>
+    <p:extLst>
+      <p:ext uri="{BB962C8B-B14F-4D97-AF65-F5344CB8AC3E}">
+        <p14:creationId xmlns:p14="http://schemas.microsoft.com/office/powerpoint/2010/main" val="3460171331"/>
+      </p:ext>
+    </p:extLst>
+  </p:cSld>
+  <p:clrMapOvr>
+    <a:masterClrMapping/>
+  </p:clrMapOvr>
+</p:sld>
+</file>
+
+<file path=ppt/slides/slide27.xml><?xml version="1.0" encoding="utf-8"?>
+<p:sld xmlns:a="http://schemas.openxmlformats.org/drawingml/2006/main" xmlns:r="http://schemas.openxmlformats.org/officeDocument/2006/relationships" xmlns:p="http://schemas.openxmlformats.org/presentationml/2006/main">
+  <p:cSld>
+    <p:spTree>
+      <p:nvGrpSpPr>
+        <p:cNvPr id="1" name=""/>
+        <p:cNvGrpSpPr/>
+        <p:nvPr/>
+      </p:nvGrpSpPr>
+      <p:grpSpPr>
+        <a:xfrm>
+          <a:off x="0" y="0"/>
+          <a:ext cx="0" cy="0"/>
+          <a:chOff x="0" y="0"/>
+          <a:chExt cx="0" cy="0"/>
+        </a:xfrm>
+      </p:grpSpPr>
+      <p:sp>
+        <p:nvSpPr>
+          <p:cNvPr id="2" name="CaixaDeTexto 1">
+            <a:extLst>
+              <a:ext uri="{FF2B5EF4-FFF2-40B4-BE49-F238E27FC236}">
+                <a16:creationId xmlns:a16="http://schemas.microsoft.com/office/drawing/2014/main" id="{A2B80AA5-3750-5C2F-76EF-0510EFC3BE7D}"/>
+              </a:ext>
+            </a:extLst>
+          </p:cNvPr>
+          <p:cNvSpPr txBox="1"/>
+          <p:nvPr/>
+        </p:nvSpPr>
+        <p:spPr>
+          <a:xfrm>
+            <a:off x="2587752" y="1537960"/>
+            <a:ext cx="7434072" cy="3970318"/>
+          </a:xfrm>
+          <a:prstGeom prst="rect">
+            <a:avLst/>
+          </a:prstGeom>
+          <a:noFill/>
+        </p:spPr>
+        <p:txBody>
+          <a:bodyPr wrap="square" rtlCol="0">
+            <a:spAutoFit/>
+          </a:bodyPr>
+          <a:lstStyle/>
+          <a:p>
+            <a:r>
+              <a:rPr lang="pt-BR" dirty="0">
+                <a:latin typeface="Arial" panose="020B0604020202020204" pitchFamily="34" charset="0"/>
+                <a:cs typeface="Arial" panose="020B0604020202020204" pitchFamily="34" charset="0"/>
+              </a:rPr>
+              <a:t>Necessário fazer uma </a:t>
+            </a:r>
+            <a:r>
+              <a:rPr lang="pt-BR" dirty="0">
+                <a:latin typeface="Arial Black" panose="020B0A04020102020204" pitchFamily="34" charset="0"/>
+                <a:cs typeface="Arial" panose="020B0604020202020204" pitchFamily="34" charset="0"/>
+              </a:rPr>
+              <a:t>boa análise exploratória</a:t>
+            </a:r>
+            <a:r>
+              <a:rPr lang="pt-BR" dirty="0">
+                <a:latin typeface="Arial" panose="020B0604020202020204" pitchFamily="34" charset="0"/>
+                <a:cs typeface="Arial" panose="020B0604020202020204" pitchFamily="34" charset="0"/>
+              </a:rPr>
+              <a:t> dos dados e da área do negócio para poder treinar os </a:t>
+            </a:r>
+            <a:r>
+              <a:rPr lang="pt-BR" dirty="0" err="1">
+                <a:latin typeface="Arial" panose="020B0604020202020204" pitchFamily="34" charset="0"/>
+                <a:cs typeface="Arial" panose="020B0604020202020204" pitchFamily="34" charset="0"/>
+              </a:rPr>
+              <a:t>algorítmos</a:t>
+            </a:r>
+            <a:r>
+              <a:rPr lang="pt-BR" dirty="0">
+                <a:latin typeface="Arial" panose="020B0604020202020204" pitchFamily="34" charset="0"/>
+                <a:cs typeface="Arial" panose="020B0604020202020204" pitchFamily="34" charset="0"/>
+              </a:rPr>
+              <a:t> de </a:t>
+            </a:r>
+            <a:r>
+              <a:rPr lang="pt-BR" dirty="0" err="1">
+                <a:latin typeface="Arial" panose="020B0604020202020204" pitchFamily="34" charset="0"/>
+                <a:cs typeface="Arial" panose="020B0604020202020204" pitchFamily="34" charset="0"/>
+              </a:rPr>
+              <a:t>Machine</a:t>
+            </a:r>
+            <a:r>
+              <a:rPr lang="pt-BR" dirty="0">
+                <a:latin typeface="Arial" panose="020B0604020202020204" pitchFamily="34" charset="0"/>
+                <a:cs typeface="Arial" panose="020B0604020202020204" pitchFamily="34" charset="0"/>
+              </a:rPr>
+              <a:t> Learning.</a:t>
+            </a:r>
+          </a:p>
+          <a:p>
+            <a:endParaRPr lang="pt-BR" dirty="0">
+              <a:latin typeface="Arial" panose="020B0604020202020204" pitchFamily="34" charset="0"/>
+              <a:cs typeface="Arial" panose="020B0604020202020204" pitchFamily="34" charset="0"/>
+            </a:endParaRPr>
+          </a:p>
+          <a:p>
+            <a:endParaRPr lang="pt-BR" dirty="0">
+              <a:latin typeface="Arial" panose="020B0604020202020204" pitchFamily="34" charset="0"/>
+              <a:cs typeface="Arial" panose="020B0604020202020204" pitchFamily="34" charset="0"/>
+            </a:endParaRPr>
+          </a:p>
+          <a:p>
+            <a:endParaRPr lang="pt-BR" dirty="0">
+              <a:latin typeface="Arial" panose="020B0604020202020204" pitchFamily="34" charset="0"/>
+              <a:cs typeface="Arial" panose="020B0604020202020204" pitchFamily="34" charset="0"/>
+            </a:endParaRPr>
+          </a:p>
+          <a:p>
+            <a:endParaRPr lang="pt-BR" dirty="0">
+              <a:latin typeface="Arial" panose="020B0604020202020204" pitchFamily="34" charset="0"/>
+              <a:cs typeface="Arial" panose="020B0604020202020204" pitchFamily="34" charset="0"/>
+            </a:endParaRPr>
+          </a:p>
+          <a:p>
+            <a:r>
+              <a:rPr lang="pt-BR" dirty="0">
+                <a:latin typeface="Arial Black" panose="020B0A04020102020204" pitchFamily="34" charset="0"/>
+                <a:cs typeface="Arial" panose="020B0604020202020204" pitchFamily="34" charset="0"/>
+              </a:rPr>
+              <a:t>Correlação baixa </a:t>
+            </a:r>
+            <a:r>
+              <a:rPr lang="pt-BR" dirty="0">
+                <a:latin typeface="Arial" panose="020B0604020202020204" pitchFamily="34" charset="0"/>
+                <a:cs typeface="Arial" panose="020B0604020202020204" pitchFamily="34" charset="0"/>
+              </a:rPr>
+              <a:t>entre as </a:t>
+            </a:r>
+            <a:r>
+              <a:rPr lang="pt-BR" dirty="0" err="1">
+                <a:latin typeface="Arial" panose="020B0604020202020204" pitchFamily="34" charset="0"/>
+                <a:cs typeface="Arial" panose="020B0604020202020204" pitchFamily="34" charset="0"/>
+              </a:rPr>
+              <a:t>features</a:t>
+            </a:r>
+            <a:r>
+              <a:rPr lang="pt-BR" dirty="0">
+                <a:latin typeface="Arial" panose="020B0604020202020204" pitchFamily="34" charset="0"/>
+                <a:cs typeface="Arial" panose="020B0604020202020204" pitchFamily="34" charset="0"/>
+              </a:rPr>
+              <a:t> e o target.</a:t>
+            </a:r>
+          </a:p>
+          <a:p>
+            <a:endParaRPr lang="pt-BR" dirty="0">
+              <a:latin typeface="Arial" panose="020B0604020202020204" pitchFamily="34" charset="0"/>
+              <a:cs typeface="Arial" panose="020B0604020202020204" pitchFamily="34" charset="0"/>
+            </a:endParaRPr>
+          </a:p>
+          <a:p>
+            <a:endParaRPr lang="pt-BR" dirty="0">
+              <a:latin typeface="Arial" panose="020B0604020202020204" pitchFamily="34" charset="0"/>
+              <a:cs typeface="Arial" panose="020B0604020202020204" pitchFamily="34" charset="0"/>
+            </a:endParaRPr>
+          </a:p>
+          <a:p>
+            <a:endParaRPr lang="pt-BR" dirty="0">
+              <a:latin typeface="Arial" panose="020B0604020202020204" pitchFamily="34" charset="0"/>
+              <a:cs typeface="Arial" panose="020B0604020202020204" pitchFamily="34" charset="0"/>
+            </a:endParaRPr>
+          </a:p>
+          <a:p>
+            <a:endParaRPr lang="pt-BR" dirty="0">
+              <a:latin typeface="Arial" panose="020B0604020202020204" pitchFamily="34" charset="0"/>
+              <a:cs typeface="Arial" panose="020B0604020202020204" pitchFamily="34" charset="0"/>
+            </a:endParaRPr>
+          </a:p>
+          <a:p>
+            <a:r>
+              <a:rPr lang="pt-BR" dirty="0">
+                <a:latin typeface="Arial" panose="020B0604020202020204" pitchFamily="34" charset="0"/>
+                <a:cs typeface="Arial" panose="020B0604020202020204" pitchFamily="34" charset="0"/>
+              </a:rPr>
+              <a:t>Aprender como trabalhar melhor com </a:t>
+            </a:r>
+            <a:r>
+              <a:rPr lang="pt-BR" dirty="0">
+                <a:latin typeface="Arial Black" panose="020B0A04020102020204" pitchFamily="34" charset="0"/>
+                <a:cs typeface="Arial" panose="020B0604020202020204" pitchFamily="34" charset="0"/>
+              </a:rPr>
+              <a:t>dados desbalanceados</a:t>
+            </a:r>
+            <a:r>
+              <a:rPr lang="pt-BR" dirty="0">
+                <a:latin typeface="Arial" panose="020B0604020202020204" pitchFamily="34" charset="0"/>
+                <a:cs typeface="Arial" panose="020B0604020202020204" pitchFamily="34" charset="0"/>
+              </a:rPr>
+              <a:t>, seja com variação da amostragem com over/</a:t>
+            </a:r>
+            <a:r>
+              <a:rPr lang="pt-BR" dirty="0" err="1">
+                <a:latin typeface="Arial" panose="020B0604020202020204" pitchFamily="34" charset="0"/>
+                <a:cs typeface="Arial" panose="020B0604020202020204" pitchFamily="34" charset="0"/>
+              </a:rPr>
+              <a:t>undersampling</a:t>
+            </a:r>
+            <a:r>
+              <a:rPr lang="pt-BR" dirty="0">
+                <a:latin typeface="Arial" panose="020B0604020202020204" pitchFamily="34" charset="0"/>
+                <a:cs typeface="Arial" panose="020B0604020202020204" pitchFamily="34" charset="0"/>
+              </a:rPr>
+              <a:t> ou utilização de algoritmos de </a:t>
+            </a:r>
+            <a:r>
+              <a:rPr lang="pt-BR" dirty="0" err="1">
+                <a:latin typeface="Arial" panose="020B0604020202020204" pitchFamily="34" charset="0"/>
+                <a:cs typeface="Arial" panose="020B0604020202020204" pitchFamily="34" charset="0"/>
+              </a:rPr>
+              <a:t>Machine</a:t>
+            </a:r>
+            <a:r>
+              <a:rPr lang="pt-BR" dirty="0">
+                <a:latin typeface="Arial" panose="020B0604020202020204" pitchFamily="34" charset="0"/>
+                <a:cs typeface="Arial" panose="020B0604020202020204" pitchFamily="34" charset="0"/>
+              </a:rPr>
+              <a:t> Learning mais adequados.</a:t>
+            </a:r>
+          </a:p>
+        </p:txBody>
+      </p:sp>
+      <p:sp>
+        <p:nvSpPr>
+          <p:cNvPr id="3" name="CaixaDeTexto 2">
+            <a:extLst>
+              <a:ext uri="{FF2B5EF4-FFF2-40B4-BE49-F238E27FC236}">
+                <a16:creationId xmlns:a16="http://schemas.microsoft.com/office/drawing/2014/main" id="{49F7D9B5-B2D4-33BD-1B9A-5EF4F45FA756}"/>
+              </a:ext>
+            </a:extLst>
+          </p:cNvPr>
+          <p:cNvSpPr txBox="1"/>
+          <p:nvPr/>
+        </p:nvSpPr>
+        <p:spPr>
+          <a:xfrm>
+            <a:off x="1647388" y="1373368"/>
+            <a:ext cx="646331" cy="923330"/>
+          </a:xfrm>
+          <a:prstGeom prst="rect">
+            <a:avLst/>
+          </a:prstGeom>
+          <a:noFill/>
+        </p:spPr>
+        <p:txBody>
+          <a:bodyPr wrap="none" rtlCol="0">
+            <a:spAutoFit/>
+          </a:bodyPr>
+          <a:lstStyle/>
+          <a:p>
+            <a:r>
+              <a:rPr lang="pt-BR" sz="5400" dirty="0">
+                <a:solidFill>
+                  <a:srgbClr val="FF0000"/>
+                </a:solidFill>
+                <a:latin typeface="Arial Black" panose="020B0A04020102020204" pitchFamily="34" charset="0"/>
+              </a:rPr>
+              <a:t>1</a:t>
+            </a:r>
+          </a:p>
+        </p:txBody>
+      </p:sp>
+      <p:sp>
+        <p:nvSpPr>
+          <p:cNvPr id="4" name="CaixaDeTexto 3">
+            <a:extLst>
+              <a:ext uri="{FF2B5EF4-FFF2-40B4-BE49-F238E27FC236}">
+                <a16:creationId xmlns:a16="http://schemas.microsoft.com/office/drawing/2014/main" id="{829F9478-A6E1-B1CF-E81F-1EC26D1894D5}"/>
+              </a:ext>
+            </a:extLst>
+          </p:cNvPr>
+          <p:cNvSpPr txBox="1"/>
+          <p:nvPr/>
+        </p:nvSpPr>
+        <p:spPr>
+          <a:xfrm>
+            <a:off x="1647388" y="2967335"/>
+            <a:ext cx="646331" cy="923330"/>
+          </a:xfrm>
+          <a:prstGeom prst="rect">
+            <a:avLst/>
+          </a:prstGeom>
+          <a:noFill/>
+        </p:spPr>
+        <p:txBody>
+          <a:bodyPr wrap="none" rtlCol="0">
+            <a:spAutoFit/>
+          </a:bodyPr>
+          <a:lstStyle/>
+          <a:p>
+            <a:r>
+              <a:rPr lang="pt-BR" sz="5400" dirty="0">
+                <a:solidFill>
+                  <a:srgbClr val="FF0000"/>
+                </a:solidFill>
+                <a:latin typeface="Arial Black" panose="020B0A04020102020204" pitchFamily="34" charset="0"/>
+              </a:rPr>
+              <a:t>2</a:t>
+            </a:r>
+          </a:p>
+        </p:txBody>
+      </p:sp>
+      <p:sp>
+        <p:nvSpPr>
+          <p:cNvPr id="5" name="CaixaDeTexto 4">
+            <a:extLst>
+              <a:ext uri="{FF2B5EF4-FFF2-40B4-BE49-F238E27FC236}">
+                <a16:creationId xmlns:a16="http://schemas.microsoft.com/office/drawing/2014/main" id="{1BF3D941-8732-F04D-F2A5-DA24261892D4}"/>
+              </a:ext>
+            </a:extLst>
+          </p:cNvPr>
+          <p:cNvSpPr txBox="1"/>
+          <p:nvPr/>
+        </p:nvSpPr>
+        <p:spPr>
+          <a:xfrm>
+            <a:off x="1647388" y="4570673"/>
+            <a:ext cx="646331" cy="923330"/>
+          </a:xfrm>
+          <a:prstGeom prst="rect">
+            <a:avLst/>
+          </a:prstGeom>
+          <a:noFill/>
+        </p:spPr>
+        <p:txBody>
+          <a:bodyPr wrap="none" rtlCol="0">
+            <a:spAutoFit/>
+          </a:bodyPr>
+          <a:lstStyle/>
+          <a:p>
+            <a:r>
+              <a:rPr lang="pt-BR" sz="5400" dirty="0">
+                <a:solidFill>
+                  <a:srgbClr val="FF0000"/>
+                </a:solidFill>
+                <a:latin typeface="Arial Black" panose="020B0A04020102020204" pitchFamily="34" charset="0"/>
+              </a:rPr>
+              <a:t>3</a:t>
+            </a:r>
+          </a:p>
+        </p:txBody>
+      </p:sp>
+    </p:spTree>
+    <p:extLst>
+      <p:ext uri="{BB962C8B-B14F-4D97-AF65-F5344CB8AC3E}">
+        <p14:creationId xmlns:p14="http://schemas.microsoft.com/office/powerpoint/2010/main" val="1128825569"/>
       </p:ext>
     </p:extLst>
   </p:cSld>
@@ -7351,13 +9767,13 @@
   <p:clrMapOvr>
     <a:masterClrMapping/>
   </p:clrMapOvr>
-  <mc:AlternateContent xmlns:mc="http://schemas.openxmlformats.org/markup-compatibility/2006">
-    <mc:Choice xmlns:p159="http://schemas.microsoft.com/office/powerpoint/2015/09/main" Requires="p159">
+  <mc:AlternateContent xmlns:mc="http://schemas.openxmlformats.org/markup-compatibility/2006" xmlns:p159="http://schemas.microsoft.com/office/powerpoint/2015/09/main">
+    <mc:Choice Requires="p159">
       <p:transition xmlns:p14="http://schemas.microsoft.com/office/powerpoint/2010/main" spd="slow" p14:dur="2000">
         <p159:morph option="byObject"/>
       </p:transition>
     </mc:Choice>
-    <mc:Fallback>
+    <mc:Fallback xmlns="">
       <p:transition spd="slow">
         <p:fade/>
       </p:transition>
@@ -7521,13 +9937,13 @@
   <p:clrMapOvr>
     <a:masterClrMapping/>
   </p:clrMapOvr>
-  <mc:AlternateContent xmlns:mc="http://schemas.openxmlformats.org/markup-compatibility/2006">
-    <mc:Choice xmlns:p159="http://schemas.microsoft.com/office/powerpoint/2015/09/main" Requires="p159">
+  <mc:AlternateContent xmlns:mc="http://schemas.openxmlformats.org/markup-compatibility/2006" xmlns:p159="http://schemas.microsoft.com/office/powerpoint/2015/09/main">
+    <mc:Choice Requires="p159">
       <p:transition xmlns:p14="http://schemas.microsoft.com/office/powerpoint/2010/main" spd="slow" p14:dur="2000">
         <p159:morph option="byObject"/>
       </p:transition>
     </mc:Choice>
-    <mc:Fallback>
+    <mc:Fallback xmlns="">
       <p:transition spd="slow">
         <p:fade/>
       </p:transition>
@@ -7583,110 +9999,6 @@
           </a:prstGeom>
         </p:spPr>
       </p:pic>
-      <p:sp>
-        <p:nvSpPr>
-          <p:cNvPr id="8" name="Retângulo 7">
-            <a:extLst>
-              <a:ext uri="{FF2B5EF4-FFF2-40B4-BE49-F238E27FC236}">
-                <a16:creationId xmlns:a16="http://schemas.microsoft.com/office/drawing/2014/main" id="{CD115251-4556-C890-2D19-7CE0E858FD1E}"/>
-              </a:ext>
-            </a:extLst>
-          </p:cNvPr>
-          <p:cNvSpPr/>
-          <p:nvPr/>
-        </p:nvSpPr>
-        <p:spPr>
-          <a:xfrm>
-            <a:off x="6219646" y="4692769"/>
-            <a:ext cx="1043796" cy="293298"/>
-          </a:xfrm>
-          <a:prstGeom prst="rect">
-            <a:avLst/>
-          </a:prstGeom>
-          <a:noFill/>
-          <a:ln w="28575">
-            <a:solidFill>
-              <a:srgbClr val="FF0000"/>
-            </a:solidFill>
-          </a:ln>
-        </p:spPr>
-        <p:style>
-          <a:lnRef idx="2">
-            <a:schemeClr val="accent1">
-              <a:shade val="15000"/>
-            </a:schemeClr>
-          </a:lnRef>
-          <a:fillRef idx="1">
-            <a:schemeClr val="accent1"/>
-          </a:fillRef>
-          <a:effectRef idx="0">
-            <a:schemeClr val="accent1"/>
-          </a:effectRef>
-          <a:fontRef idx="minor">
-            <a:schemeClr val="lt1"/>
-          </a:fontRef>
-        </p:style>
-        <p:txBody>
-          <a:bodyPr rtlCol="0" anchor="ctr"/>
-          <a:lstStyle/>
-          <a:p>
-            <a:pPr algn="ctr"/>
-            <a:endParaRPr lang="pt-BR"/>
-          </a:p>
-        </p:txBody>
-      </p:sp>
-      <p:sp>
-        <p:nvSpPr>
-          <p:cNvPr id="9" name="Retângulo 8">
-            <a:extLst>
-              <a:ext uri="{FF2B5EF4-FFF2-40B4-BE49-F238E27FC236}">
-                <a16:creationId xmlns:a16="http://schemas.microsoft.com/office/drawing/2014/main" id="{2744C475-37F4-077E-304B-26C2A7FFABEB}"/>
-              </a:ext>
-            </a:extLst>
-          </p:cNvPr>
-          <p:cNvSpPr/>
-          <p:nvPr/>
-        </p:nvSpPr>
-        <p:spPr>
-          <a:xfrm>
-            <a:off x="7358334" y="1621766"/>
-            <a:ext cx="1043796" cy="3364301"/>
-          </a:xfrm>
-          <a:prstGeom prst="rect">
-            <a:avLst/>
-          </a:prstGeom>
-          <a:noFill/>
-          <a:ln w="28575">
-            <a:solidFill>
-              <a:srgbClr val="FF0000"/>
-            </a:solidFill>
-          </a:ln>
-        </p:spPr>
-        <p:style>
-          <a:lnRef idx="2">
-            <a:schemeClr val="accent1">
-              <a:shade val="15000"/>
-            </a:schemeClr>
-          </a:lnRef>
-          <a:fillRef idx="1">
-            <a:schemeClr val="accent1"/>
-          </a:fillRef>
-          <a:effectRef idx="0">
-            <a:schemeClr val="accent1"/>
-          </a:effectRef>
-          <a:fontRef idx="minor">
-            <a:schemeClr val="lt1"/>
-          </a:fontRef>
-        </p:style>
-        <p:txBody>
-          <a:bodyPr rtlCol="0" anchor="ctr"/>
-          <a:lstStyle/>
-          <a:p>
-            <a:pPr algn="ctr"/>
-            <a:endParaRPr lang="pt-BR"/>
-          </a:p>
-        </p:txBody>
-      </p:sp>
     </p:spTree>
     <p:extLst>
       <p:ext uri="{BB962C8B-B14F-4D97-AF65-F5344CB8AC3E}">

--- a/apresentação-ml.pptx
+++ b/apresentação-ml.pptx
@@ -13,8 +13,8 @@
     <p:sldId id="257" r:id="rId4"/>
     <p:sldId id="259" r:id="rId5"/>
     <p:sldId id="258" r:id="rId6"/>
-    <p:sldId id="260" r:id="rId7"/>
-    <p:sldId id="261" r:id="rId8"/>
+    <p:sldId id="261" r:id="rId7"/>
+    <p:sldId id="260" r:id="rId8"/>
     <p:sldId id="262" r:id="rId9"/>
     <p:sldId id="263" r:id="rId10"/>
     <p:sldId id="265" r:id="rId11"/>
@@ -7845,13 +7845,13 @@
   <p:clrMapOvr>
     <a:masterClrMapping/>
   </p:clrMapOvr>
-  <mc:AlternateContent xmlns:mc="http://schemas.openxmlformats.org/markup-compatibility/2006">
-    <mc:Choice xmlns:p159="http://schemas.microsoft.com/office/powerpoint/2015/09/main" Requires="p159">
+  <mc:AlternateContent xmlns:mc="http://schemas.openxmlformats.org/markup-compatibility/2006" xmlns:p159="http://schemas.microsoft.com/office/powerpoint/2015/09/main">
+    <mc:Choice Requires="p159">
       <p:transition xmlns:p14="http://schemas.microsoft.com/office/powerpoint/2010/main" spd="slow" p14:dur="2000">
         <p159:morph option="byObject"/>
       </p:transition>
     </mc:Choice>
-    <mc:Fallback>
+    <mc:Fallback xmlns="">
       <p:transition spd="slow">
         <p:fade/>
       </p:transition>
@@ -10002,7 +10002,7 @@
     </p:spTree>
     <p:extLst>
       <p:ext uri="{BB962C8B-B14F-4D97-AF65-F5344CB8AC3E}">
-        <p14:creationId xmlns:p14="http://schemas.microsoft.com/office/powerpoint/2010/main" val="2768009063"/>
+        <p14:creationId xmlns:p14="http://schemas.microsoft.com/office/powerpoint/2010/main" val="3441925395"/>
       </p:ext>
     </p:extLst>
   </p:cSld>
@@ -10059,10 +10059,166 @@
           </a:prstGeom>
         </p:spPr>
       </p:pic>
+      <p:sp>
+        <p:nvSpPr>
+          <p:cNvPr id="2" name="Retângulo 1">
+            <a:extLst>
+              <a:ext uri="{FF2B5EF4-FFF2-40B4-BE49-F238E27FC236}">
+                <a16:creationId xmlns:a16="http://schemas.microsoft.com/office/drawing/2014/main" id="{6FE8F3A8-80FD-E752-48CD-E624436949B7}"/>
+              </a:ext>
+            </a:extLst>
+          </p:cNvPr>
+          <p:cNvSpPr/>
+          <p:nvPr/>
+        </p:nvSpPr>
+        <p:spPr>
+          <a:xfrm>
+            <a:off x="6196584" y="4700016"/>
+            <a:ext cx="1063752" cy="256032"/>
+          </a:xfrm>
+          <a:prstGeom prst="rect">
+            <a:avLst/>
+          </a:prstGeom>
+          <a:noFill/>
+          <a:ln w="28575">
+            <a:solidFill>
+              <a:srgbClr val="FF0000"/>
+            </a:solidFill>
+          </a:ln>
+        </p:spPr>
+        <p:style>
+          <a:lnRef idx="2">
+            <a:schemeClr val="accent1">
+              <a:shade val="15000"/>
+            </a:schemeClr>
+          </a:lnRef>
+          <a:fillRef idx="1">
+            <a:schemeClr val="accent1"/>
+          </a:fillRef>
+          <a:effectRef idx="0">
+            <a:schemeClr val="accent1"/>
+          </a:effectRef>
+          <a:fontRef idx="minor">
+            <a:schemeClr val="lt1"/>
+          </a:fontRef>
+        </p:style>
+        <p:txBody>
+          <a:bodyPr rtlCol="0" anchor="ctr"/>
+          <a:lstStyle/>
+          <a:p>
+            <a:pPr algn="ctr"/>
+            <a:endParaRPr lang="pt-BR"/>
+          </a:p>
+        </p:txBody>
+      </p:sp>
+      <p:sp>
+        <p:nvSpPr>
+          <p:cNvPr id="4" name="Retângulo 3">
+            <a:extLst>
+              <a:ext uri="{FF2B5EF4-FFF2-40B4-BE49-F238E27FC236}">
+                <a16:creationId xmlns:a16="http://schemas.microsoft.com/office/drawing/2014/main" id="{121B8D57-1284-368F-1172-9B2BF790EC7D}"/>
+              </a:ext>
+            </a:extLst>
+          </p:cNvPr>
+          <p:cNvSpPr/>
+          <p:nvPr/>
+        </p:nvSpPr>
+        <p:spPr>
+          <a:xfrm>
+            <a:off x="6196584" y="5081016"/>
+            <a:ext cx="1063752" cy="256032"/>
+          </a:xfrm>
+          <a:prstGeom prst="rect">
+            <a:avLst/>
+          </a:prstGeom>
+          <a:noFill/>
+          <a:ln w="28575">
+            <a:solidFill>
+              <a:srgbClr val="FF0000"/>
+            </a:solidFill>
+          </a:ln>
+        </p:spPr>
+        <p:style>
+          <a:lnRef idx="2">
+            <a:schemeClr val="accent1">
+              <a:shade val="15000"/>
+            </a:schemeClr>
+          </a:lnRef>
+          <a:fillRef idx="1">
+            <a:schemeClr val="accent1"/>
+          </a:fillRef>
+          <a:effectRef idx="0">
+            <a:schemeClr val="accent1"/>
+          </a:effectRef>
+          <a:fontRef idx="minor">
+            <a:schemeClr val="lt1"/>
+          </a:fontRef>
+        </p:style>
+        <p:txBody>
+          <a:bodyPr rtlCol="0" anchor="ctr"/>
+          <a:lstStyle/>
+          <a:p>
+            <a:pPr algn="ctr"/>
+            <a:endParaRPr lang="pt-BR"/>
+          </a:p>
+        </p:txBody>
+      </p:sp>
+      <p:sp>
+        <p:nvSpPr>
+          <p:cNvPr id="5" name="Retângulo 4">
+            <a:extLst>
+              <a:ext uri="{FF2B5EF4-FFF2-40B4-BE49-F238E27FC236}">
+                <a16:creationId xmlns:a16="http://schemas.microsoft.com/office/drawing/2014/main" id="{474D08FF-FB15-6FAF-50D5-52C28641E9CE}"/>
+              </a:ext>
+            </a:extLst>
+          </p:cNvPr>
+          <p:cNvSpPr/>
+          <p:nvPr/>
+        </p:nvSpPr>
+        <p:spPr>
+          <a:xfrm>
+            <a:off x="3989832" y="5465064"/>
+            <a:ext cx="1386840" cy="256032"/>
+          </a:xfrm>
+          <a:prstGeom prst="rect">
+            <a:avLst/>
+          </a:prstGeom>
+          <a:noFill/>
+          <a:ln w="28575">
+            <a:solidFill>
+              <a:srgbClr val="FF0000"/>
+            </a:solidFill>
+          </a:ln>
+        </p:spPr>
+        <p:style>
+          <a:lnRef idx="2">
+            <a:schemeClr val="accent1">
+              <a:shade val="15000"/>
+            </a:schemeClr>
+          </a:lnRef>
+          <a:fillRef idx="1">
+            <a:schemeClr val="accent1"/>
+          </a:fillRef>
+          <a:effectRef idx="0">
+            <a:schemeClr val="accent1"/>
+          </a:effectRef>
+          <a:fontRef idx="minor">
+            <a:schemeClr val="lt1"/>
+          </a:fontRef>
+        </p:style>
+        <p:txBody>
+          <a:bodyPr rtlCol="0" anchor="ctr"/>
+          <a:lstStyle/>
+          <a:p>
+            <a:pPr algn="ctr"/>
+            <a:endParaRPr lang="pt-BR"/>
+          </a:p>
+        </p:txBody>
+      </p:sp>
     </p:spTree>
     <p:extLst>
       <p:ext uri="{BB962C8B-B14F-4D97-AF65-F5344CB8AC3E}">
-        <p14:creationId xmlns:p14="http://schemas.microsoft.com/office/powerpoint/2010/main" val="3441925395"/>
+        <p14:creationId xmlns:p14="http://schemas.microsoft.com/office/powerpoint/2010/main" val="2768009063"/>
       </p:ext>
     </p:extLst>
   </p:cSld>
